--- a/templates/awesome-ppt-template.pptx
+++ b/templates/awesome-ppt-template.pptx
@@ -5,7 +5,10 @@
     <p:sldMasterId id="2147483648" r:id="rId1"/>
   </p:sldMasterIdLst>
   <p:sldIdLst>
-    <p:sldId id="256" r:id="rId2"/>
+    <p:sldId id="259" r:id="rId2"/>
+    <p:sldId id="256" r:id="rId3"/>
+    <p:sldId id="257" r:id="rId4"/>
+    <p:sldId id="258" r:id="rId5"/>
   </p:sldIdLst>
   <p:sldSz cx="12192000" cy="6858000"/>
   <p:notesSz cx="6858000" cy="9144000"/>
@@ -104,6 +107,11 @@
       </a:defRPr>
     </a:lvl9pPr>
   </p:defaultTextStyle>
+  <p:extLst>
+    <p:ext uri="{EFAFB233-063F-42B5-8137-9DF3F51BA10A}">
+      <p15:sldGuideLst xmlns:p15="http://schemas.microsoft.com/office/powerpoint/2012/main"/>
+    </p:ext>
+  </p:extLst>
 </p:presentation>
 </file>
 
@@ -254,7 +262,7 @@
           <a:p>
             <a:fld id="{CDAC068F-CDE1-E847-B1C8-27B51940B7E7}" type="datetimeFigureOut">
               <a:rPr kumimoji="1" lang="zh-CN" altLang="en-US" smtClean="0"/>
-              <a:t>2020/7/20</a:t>
+              <a:t>2020/7/21</a:t>
             </a:fld>
             <a:endParaRPr kumimoji="1" lang="zh-CN" altLang="en-US"/>
           </a:p>
@@ -452,7 +460,7 @@
           <a:p>
             <a:fld id="{CDAC068F-CDE1-E847-B1C8-27B51940B7E7}" type="datetimeFigureOut">
               <a:rPr kumimoji="1" lang="zh-CN" altLang="en-US" smtClean="0"/>
-              <a:t>2020/7/20</a:t>
+              <a:t>2020/7/21</a:t>
             </a:fld>
             <a:endParaRPr kumimoji="1" lang="zh-CN" altLang="en-US"/>
           </a:p>
@@ -660,7 +668,7 @@
           <a:p>
             <a:fld id="{CDAC068F-CDE1-E847-B1C8-27B51940B7E7}" type="datetimeFigureOut">
               <a:rPr kumimoji="1" lang="zh-CN" altLang="en-US" smtClean="0"/>
-              <a:t>2020/7/20</a:t>
+              <a:t>2020/7/21</a:t>
             </a:fld>
             <a:endParaRPr kumimoji="1" lang="zh-CN" altLang="en-US"/>
           </a:p>
@@ -858,7 +866,7 @@
           <a:p>
             <a:fld id="{CDAC068F-CDE1-E847-B1C8-27B51940B7E7}" type="datetimeFigureOut">
               <a:rPr kumimoji="1" lang="zh-CN" altLang="en-US" smtClean="0"/>
-              <a:t>2020/7/20</a:t>
+              <a:t>2020/7/21</a:t>
             </a:fld>
             <a:endParaRPr kumimoji="1" lang="zh-CN" altLang="en-US"/>
           </a:p>
@@ -1133,7 +1141,7 @@
           <a:p>
             <a:fld id="{CDAC068F-CDE1-E847-B1C8-27B51940B7E7}" type="datetimeFigureOut">
               <a:rPr kumimoji="1" lang="zh-CN" altLang="en-US" smtClean="0"/>
-              <a:t>2020/7/20</a:t>
+              <a:t>2020/7/21</a:t>
             </a:fld>
             <a:endParaRPr kumimoji="1" lang="zh-CN" altLang="en-US"/>
           </a:p>
@@ -1398,7 +1406,7 @@
           <a:p>
             <a:fld id="{CDAC068F-CDE1-E847-B1C8-27B51940B7E7}" type="datetimeFigureOut">
               <a:rPr kumimoji="1" lang="zh-CN" altLang="en-US" smtClean="0"/>
-              <a:t>2020/7/20</a:t>
+              <a:t>2020/7/21</a:t>
             </a:fld>
             <a:endParaRPr kumimoji="1" lang="zh-CN" altLang="en-US"/>
           </a:p>
@@ -1810,7 +1818,7 @@
           <a:p>
             <a:fld id="{CDAC068F-CDE1-E847-B1C8-27B51940B7E7}" type="datetimeFigureOut">
               <a:rPr kumimoji="1" lang="zh-CN" altLang="en-US" smtClean="0"/>
-              <a:t>2020/7/20</a:t>
+              <a:t>2020/7/21</a:t>
             </a:fld>
             <a:endParaRPr kumimoji="1" lang="zh-CN" altLang="en-US"/>
           </a:p>
@@ -1951,7 +1959,7 @@
           <a:p>
             <a:fld id="{CDAC068F-CDE1-E847-B1C8-27B51940B7E7}" type="datetimeFigureOut">
               <a:rPr kumimoji="1" lang="zh-CN" altLang="en-US" smtClean="0"/>
-              <a:t>2020/7/20</a:t>
+              <a:t>2020/7/21</a:t>
             </a:fld>
             <a:endParaRPr kumimoji="1" lang="zh-CN" altLang="en-US"/>
           </a:p>
@@ -2064,7 +2072,7 @@
           <a:p>
             <a:fld id="{CDAC068F-CDE1-E847-B1C8-27B51940B7E7}" type="datetimeFigureOut">
               <a:rPr kumimoji="1" lang="zh-CN" altLang="en-US" smtClean="0"/>
-              <a:t>2020/7/20</a:t>
+              <a:t>2020/7/21</a:t>
             </a:fld>
             <a:endParaRPr kumimoji="1" lang="zh-CN" altLang="en-US"/>
           </a:p>
@@ -2375,7 +2383,7 @@
           <a:p>
             <a:fld id="{CDAC068F-CDE1-E847-B1C8-27B51940B7E7}" type="datetimeFigureOut">
               <a:rPr kumimoji="1" lang="zh-CN" altLang="en-US" smtClean="0"/>
-              <a:t>2020/7/20</a:t>
+              <a:t>2020/7/21</a:t>
             </a:fld>
             <a:endParaRPr kumimoji="1" lang="zh-CN" altLang="en-US"/>
           </a:p>
@@ -2663,7 +2671,7 @@
           <a:p>
             <a:fld id="{CDAC068F-CDE1-E847-B1C8-27B51940B7E7}" type="datetimeFigureOut">
               <a:rPr kumimoji="1" lang="zh-CN" altLang="en-US" smtClean="0"/>
-              <a:t>2020/7/20</a:t>
+              <a:t>2020/7/21</a:t>
             </a:fld>
             <a:endParaRPr kumimoji="1" lang="zh-CN" altLang="en-US"/>
           </a:p>
@@ -2904,7 +2912,7 @@
           <a:p>
             <a:fld id="{CDAC068F-CDE1-E847-B1C8-27B51940B7E7}" type="datetimeFigureOut">
               <a:rPr kumimoji="1" lang="zh-CN" altLang="en-US" smtClean="0"/>
-              <a:t>2020/7/20</a:t>
+              <a:t>2020/7/21</a:t>
             </a:fld>
             <a:endParaRPr kumimoji="1" lang="zh-CN" altLang="en-US"/>
           </a:p>
@@ -3307,6 +3315,168 @@
 <file path=ppt/slides/slide1.xml><?xml version="1.0" encoding="utf-8"?>
 <p:sld xmlns:a="http://schemas.openxmlformats.org/drawingml/2006/main" xmlns:r="http://schemas.openxmlformats.org/officeDocument/2006/relationships" xmlns:p="http://schemas.openxmlformats.org/presentationml/2006/main">
   <p:cSld>
+    <p:bg>
+      <p:bgPr>
+        <a:solidFill>
+          <a:schemeClr val="bg1">
+            <a:alpha val="36000"/>
+          </a:schemeClr>
+        </a:solidFill>
+        <a:effectLst/>
+      </p:bgPr>
+    </p:bg>
+    <p:spTree>
+      <p:nvGrpSpPr>
+        <p:cNvPr id="1" name=""/>
+        <p:cNvGrpSpPr/>
+        <p:nvPr/>
+      </p:nvGrpSpPr>
+      <p:grpSpPr>
+        <a:xfrm>
+          <a:off x="0" y="0"/>
+          <a:ext cx="0" cy="0"/>
+          <a:chOff x="0" y="0"/>
+          <a:chExt cx="0" cy="0"/>
+        </a:xfrm>
+      </p:grpSpPr>
+      <p:pic>
+        <p:nvPicPr>
+          <p:cNvPr id="4" name="图片 3">
+            <a:extLst>
+              <a:ext uri="{FF2B5EF4-FFF2-40B4-BE49-F238E27FC236}">
+                <a16:creationId xmlns:a16="http://schemas.microsoft.com/office/drawing/2014/main" id="{0CC5DFD5-80CE-5F49-8D81-121EEAABD448}"/>
+              </a:ext>
+            </a:extLst>
+          </p:cNvPr>
+          <p:cNvPicPr>
+            <a:picLocks noChangeAspect="1"/>
+          </p:cNvPicPr>
+          <p:nvPr/>
+        </p:nvPicPr>
+        <p:blipFill>
+          <a:blip r:embed="rId2">
+            <a:alphaModFix amt="84000"/>
+          </a:blip>
+          <a:stretch>
+            <a:fillRect/>
+          </a:stretch>
+        </p:blipFill>
+        <p:spPr>
+          <a:xfrm>
+            <a:off x="0" y="0"/>
+            <a:ext cx="12192000" cy="7620000"/>
+          </a:xfrm>
+          <a:prstGeom prst="rect">
+            <a:avLst/>
+          </a:prstGeom>
+          <a:effectLst>
+            <a:outerShdw blurRad="50800" dist="50800" dir="5400000" algn="ctr" rotWithShape="0">
+              <a:srgbClr val="000000"/>
+            </a:outerShdw>
+          </a:effectLst>
+        </p:spPr>
+      </p:pic>
+      <p:sp>
+        <p:nvSpPr>
+          <p:cNvPr id="5" name="文本框 4">
+            <a:extLst>
+              <a:ext uri="{FF2B5EF4-FFF2-40B4-BE49-F238E27FC236}">
+                <a16:creationId xmlns:a16="http://schemas.microsoft.com/office/drawing/2014/main" id="{B8A4A574-1BDC-1F49-AE2D-F4AD466E7DA7}"/>
+              </a:ext>
+            </a:extLst>
+          </p:cNvPr>
+          <p:cNvSpPr txBox="1"/>
+          <p:nvPr/>
+        </p:nvSpPr>
+        <p:spPr>
+          <a:xfrm>
+            <a:off x="0" y="2484783"/>
+            <a:ext cx="12192000" cy="2405269"/>
+          </a:xfrm>
+          <a:prstGeom prst="rect">
+            <a:avLst/>
+          </a:prstGeom>
+          <a:solidFill>
+            <a:schemeClr val="bg1">
+              <a:alpha val="62000"/>
+            </a:schemeClr>
+          </a:solidFill>
+        </p:spPr>
+        <p:txBody>
+          <a:bodyPr wrap="square" rtlCol="0" anchor="ctr" anchorCtr="0">
+            <a:noAutofit/>
+          </a:bodyPr>
+          <a:lstStyle/>
+          <a:p>
+            <a:pPr algn="ctr">
+              <a:spcBef>
+                <a:spcPts val="2400"/>
+              </a:spcBef>
+              <a:spcAft>
+                <a:spcPts val="2400"/>
+              </a:spcAft>
+            </a:pPr>
+            <a:r>
+              <a:rPr kumimoji="1" lang="zh-Hans" altLang="en-US" sz="7200" b="1" dirty="0">
+                <a:solidFill>
+                  <a:schemeClr val="bg1"/>
+                </a:solidFill>
+                <a:effectLst>
+                  <a:outerShdw blurRad="50800" dist="38100" dir="8100000" algn="tr" rotWithShape="0">
+                    <a:prstClr val="black">
+                      <a:alpha val="40000"/>
+                    </a:prstClr>
+                  </a:outerShdw>
+                </a:effectLst>
+              </a:rPr>
+              <a:t>菜鸟制作 </a:t>
+            </a:r>
+            <a:r>
+              <a:rPr kumimoji="1" lang="en-US" altLang="zh-Hans" sz="7200" b="1" dirty="0">
+                <a:solidFill>
+                  <a:schemeClr val="bg1"/>
+                </a:solidFill>
+                <a:effectLst>
+                  <a:outerShdw blurRad="50800" dist="38100" dir="8100000" algn="tr" rotWithShape="0">
+                    <a:prstClr val="black">
+                      <a:alpha val="40000"/>
+                    </a:prstClr>
+                  </a:outerShdw>
+                </a:effectLst>
+              </a:rPr>
+              <a:t>PPT</a:t>
+            </a:r>
+            <a:endParaRPr kumimoji="1" lang="zh-CN" altLang="en-US" sz="7200" b="1" dirty="0">
+              <a:solidFill>
+                <a:schemeClr val="bg1"/>
+              </a:solidFill>
+              <a:effectLst>
+                <a:outerShdw blurRad="50800" dist="38100" dir="8100000" algn="tr" rotWithShape="0">
+                  <a:prstClr val="black">
+                    <a:alpha val="40000"/>
+                  </a:prstClr>
+                </a:outerShdw>
+              </a:effectLst>
+            </a:endParaRPr>
+          </a:p>
+        </p:txBody>
+      </p:sp>
+    </p:spTree>
+    <p:extLst>
+      <p:ext uri="{BB962C8B-B14F-4D97-AF65-F5344CB8AC3E}">
+        <p14:creationId xmlns:p14="http://schemas.microsoft.com/office/powerpoint/2010/main" val="4241468906"/>
+      </p:ext>
+    </p:extLst>
+  </p:cSld>
+  <p:clrMapOvr>
+    <a:masterClrMapping/>
+  </p:clrMapOvr>
+</p:sld>
+</file>
+
+<file path=ppt/slides/slide2.xml><?xml version="1.0" encoding="utf-8"?>
+<p:sld xmlns:a="http://schemas.openxmlformats.org/drawingml/2006/main" xmlns:r="http://schemas.openxmlformats.org/officeDocument/2006/relationships" xmlns:p="http://schemas.openxmlformats.org/presentationml/2006/main">
+  <p:cSld>
     <p:spTree>
       <p:nvGrpSpPr>
         <p:cNvPr id="1" name=""/>
@@ -3391,6 +3561,2012 @@
     <p:extLst>
       <p:ext uri="{BB962C8B-B14F-4D97-AF65-F5344CB8AC3E}">
         <p14:creationId xmlns:p14="http://schemas.microsoft.com/office/powerpoint/2010/main" val="311543795"/>
+      </p:ext>
+    </p:extLst>
+  </p:cSld>
+  <p:clrMapOvr>
+    <a:masterClrMapping/>
+  </p:clrMapOvr>
+</p:sld>
+</file>
+
+<file path=ppt/slides/slide3.xml><?xml version="1.0" encoding="utf-8"?>
+<p:sld xmlns:a="http://schemas.openxmlformats.org/drawingml/2006/main" xmlns:r="http://schemas.openxmlformats.org/officeDocument/2006/relationships" xmlns:p="http://schemas.openxmlformats.org/presentationml/2006/main">
+  <p:cSld>
+    <p:spTree>
+      <p:nvGrpSpPr>
+        <p:cNvPr id="1" name=""/>
+        <p:cNvGrpSpPr/>
+        <p:nvPr/>
+      </p:nvGrpSpPr>
+      <p:grpSpPr>
+        <a:xfrm>
+          <a:off x="0" y="0"/>
+          <a:ext cx="0" cy="0"/>
+          <a:chOff x="0" y="0"/>
+          <a:chExt cx="0" cy="0"/>
+        </a:xfrm>
+      </p:grpSpPr>
+      <p:sp>
+        <p:nvSpPr>
+          <p:cNvPr id="7" name="文本框 6">
+            <a:extLst>
+              <a:ext uri="{FF2B5EF4-FFF2-40B4-BE49-F238E27FC236}">
+                <a16:creationId xmlns:a16="http://schemas.microsoft.com/office/drawing/2014/main" id="{9EFE8AE2-C9ED-3E41-AB4B-88F20D0647B5}"/>
+              </a:ext>
+            </a:extLst>
+          </p:cNvPr>
+          <p:cNvSpPr txBox="1"/>
+          <p:nvPr/>
+        </p:nvSpPr>
+        <p:spPr>
+          <a:xfrm>
+            <a:off x="7463386" y="759237"/>
+            <a:ext cx="5294671" cy="1200329"/>
+          </a:xfrm>
+          <a:prstGeom prst="rect">
+            <a:avLst/>
+          </a:prstGeom>
+          <a:noFill/>
+        </p:spPr>
+        <p:txBody>
+          <a:bodyPr wrap="square" rtlCol="0">
+            <a:spAutoFit/>
+          </a:bodyPr>
+          <a:lstStyle/>
+          <a:p>
+            <a:r>
+              <a:rPr kumimoji="1" lang="zh-Hans" altLang="en-US" sz="7200" dirty="0"/>
+              <a:t>休闲 </a:t>
+            </a:r>
+            <a:r>
+              <a:rPr kumimoji="1" lang="zh-Hans" altLang="en-US" sz="7200" dirty="0">
+                <a:solidFill>
+                  <a:srgbClr val="9F8359"/>
+                </a:solidFill>
+              </a:rPr>
+              <a:t>咖啡</a:t>
+            </a:r>
+            <a:endParaRPr kumimoji="1" lang="zh-CN" altLang="en-US" sz="7200" dirty="0">
+              <a:solidFill>
+                <a:srgbClr val="9F8359"/>
+              </a:solidFill>
+            </a:endParaRPr>
+          </a:p>
+        </p:txBody>
+      </p:sp>
+      <p:sp>
+        <p:nvSpPr>
+          <p:cNvPr id="8" name="文本框 7">
+            <a:extLst>
+              <a:ext uri="{FF2B5EF4-FFF2-40B4-BE49-F238E27FC236}">
+                <a16:creationId xmlns:a16="http://schemas.microsoft.com/office/drawing/2014/main" id="{926D6899-96E5-0E4F-A7B5-95BE0F2A10AD}"/>
+              </a:ext>
+            </a:extLst>
+          </p:cNvPr>
+          <p:cNvSpPr txBox="1"/>
+          <p:nvPr/>
+        </p:nvSpPr>
+        <p:spPr>
+          <a:xfrm>
+            <a:off x="7463386" y="2186745"/>
+            <a:ext cx="4134465" cy="3877985"/>
+          </a:xfrm>
+          <a:prstGeom prst="rect">
+            <a:avLst/>
+          </a:prstGeom>
+          <a:noFill/>
+        </p:spPr>
+        <p:txBody>
+          <a:bodyPr wrap="square" rtlCol="0">
+            <a:spAutoFit/>
+          </a:bodyPr>
+          <a:lstStyle/>
+          <a:p>
+            <a:pPr fontAlgn="base">
+              <a:lnSpc>
+                <a:spcPct val="150000"/>
+              </a:lnSpc>
+            </a:pPr>
+            <a:r>
+              <a:rPr lang="zh-CN" altLang="en-US" sz="4400" dirty="0"/>
+              <a:t>等忙完</a:t>
+            </a:r>
+            <a:endParaRPr lang="en-US" altLang="zh-CN" sz="3200" dirty="0"/>
+          </a:p>
+          <a:p>
+            <a:pPr fontAlgn="base">
+              <a:lnSpc>
+                <a:spcPct val="150000"/>
+              </a:lnSpc>
+            </a:pPr>
+            <a:r>
+              <a:rPr lang="zh-CN" altLang="en-US" sz="4000" dirty="0">
+                <a:solidFill>
+                  <a:schemeClr val="tx1">
+                    <a:lumMod val="75000"/>
+                    <a:lumOff val="25000"/>
+                  </a:schemeClr>
+                </a:solidFill>
+              </a:rPr>
+              <a:t>这一阵，</a:t>
+            </a:r>
+            <a:endParaRPr lang="zh-CN" altLang="en-US" sz="3200" dirty="0">
+              <a:solidFill>
+                <a:schemeClr val="tx1">
+                  <a:lumMod val="75000"/>
+                  <a:lumOff val="25000"/>
+                </a:schemeClr>
+              </a:solidFill>
+            </a:endParaRPr>
+          </a:p>
+          <a:p>
+            <a:pPr fontAlgn="base">
+              <a:lnSpc>
+                <a:spcPct val="150000"/>
+              </a:lnSpc>
+            </a:pPr>
+            <a:r>
+              <a:rPr lang="zh-CN" altLang="en-US" sz="3600" dirty="0">
+                <a:solidFill>
+                  <a:schemeClr val="bg2">
+                    <a:lumMod val="50000"/>
+                  </a:schemeClr>
+                </a:solidFill>
+              </a:rPr>
+              <a:t>就可以去</a:t>
+            </a:r>
+            <a:endParaRPr lang="zh-CN" altLang="en-US" sz="3200" dirty="0">
+              <a:solidFill>
+                <a:schemeClr val="bg2">
+                  <a:lumMod val="50000"/>
+                </a:schemeClr>
+              </a:solidFill>
+            </a:endParaRPr>
+          </a:p>
+          <a:p>
+            <a:pPr fontAlgn="base">
+              <a:lnSpc>
+                <a:spcPct val="150000"/>
+              </a:lnSpc>
+            </a:pPr>
+            <a:r>
+              <a:rPr lang="zh-CN" altLang="en-US" sz="3200" dirty="0">
+                <a:solidFill>
+                  <a:schemeClr val="bg2">
+                    <a:lumMod val="90000"/>
+                  </a:schemeClr>
+                </a:solidFill>
+              </a:rPr>
+              <a:t>忙下一阵了</a:t>
+            </a:r>
+          </a:p>
+          <a:p>
+            <a:endParaRPr kumimoji="1" lang="zh-CN" altLang="en-US" dirty="0"/>
+          </a:p>
+        </p:txBody>
+      </p:sp>
+      <p:grpSp>
+        <p:nvGrpSpPr>
+          <p:cNvPr id="73" name="组合 72">
+            <a:extLst>
+              <a:ext uri="{FF2B5EF4-FFF2-40B4-BE49-F238E27FC236}">
+                <a16:creationId xmlns:a16="http://schemas.microsoft.com/office/drawing/2014/main" id="{8857ABF2-426A-1A4E-BA83-A2A73BDE1EA4}"/>
+              </a:ext>
+            </a:extLst>
+          </p:cNvPr>
+          <p:cNvGrpSpPr/>
+          <p:nvPr/>
+        </p:nvGrpSpPr>
+        <p:grpSpPr>
+          <a:xfrm>
+            <a:off x="0" y="-1031090"/>
+            <a:ext cx="6447687" cy="9154854"/>
+            <a:chOff x="-486466" y="-1319244"/>
+            <a:chExt cx="6447687" cy="9154854"/>
+          </a:xfrm>
+          <a:blipFill>
+            <a:blip r:embed="rId2"/>
+            <a:stretch>
+              <a:fillRect/>
+            </a:stretch>
+          </a:blipFill>
+        </p:grpSpPr>
+        <p:sp>
+          <p:nvSpPr>
+            <p:cNvPr id="53" name="菱形 52">
+              <a:extLst>
+                <a:ext uri="{FF2B5EF4-FFF2-40B4-BE49-F238E27FC236}">
+                  <a16:creationId xmlns:a16="http://schemas.microsoft.com/office/drawing/2014/main" id="{A37D0F44-17C2-FF46-9D08-D47764FBF4B8}"/>
+                </a:ext>
+              </a:extLst>
+            </p:cNvPr>
+            <p:cNvSpPr/>
+            <p:nvPr/>
+          </p:nvSpPr>
+          <p:spPr>
+            <a:xfrm>
+              <a:off x="-475639" y="-405923"/>
+              <a:ext cx="1770880" cy="1770880"/>
+            </a:xfrm>
+            <a:prstGeom prst="diamond">
+              <a:avLst/>
+            </a:prstGeom>
+            <a:grpFill/>
+            <a:ln>
+              <a:noFill/>
+            </a:ln>
+          </p:spPr>
+          <p:style>
+            <a:lnRef idx="2">
+              <a:schemeClr val="accent1">
+                <a:shade val="50000"/>
+              </a:schemeClr>
+            </a:lnRef>
+            <a:fillRef idx="1">
+              <a:schemeClr val="accent1"/>
+            </a:fillRef>
+            <a:effectRef idx="0">
+              <a:schemeClr val="accent1"/>
+            </a:effectRef>
+            <a:fontRef idx="minor">
+              <a:schemeClr val="lt1"/>
+            </a:fontRef>
+          </p:style>
+          <p:txBody>
+            <a:bodyPr rtlCol="0" anchor="ctr"/>
+            <a:lstStyle/>
+            <a:p>
+              <a:pPr algn="ctr"/>
+              <a:endParaRPr kumimoji="1" lang="zh-CN" altLang="en-US"/>
+            </a:p>
+          </p:txBody>
+        </p:sp>
+        <p:sp>
+          <p:nvSpPr>
+            <p:cNvPr id="54" name="菱形 53">
+              <a:extLst>
+                <a:ext uri="{FF2B5EF4-FFF2-40B4-BE49-F238E27FC236}">
+                  <a16:creationId xmlns:a16="http://schemas.microsoft.com/office/drawing/2014/main" id="{B4F8F0B4-6486-7A4E-9937-6873D06E0A3E}"/>
+                </a:ext>
+              </a:extLst>
+            </p:cNvPr>
+            <p:cNvSpPr/>
+            <p:nvPr/>
+          </p:nvSpPr>
+          <p:spPr>
+            <a:xfrm>
+              <a:off x="448684" y="519948"/>
+              <a:ext cx="1770880" cy="1770880"/>
+            </a:xfrm>
+            <a:prstGeom prst="diamond">
+              <a:avLst/>
+            </a:prstGeom>
+            <a:grpFill/>
+            <a:ln>
+              <a:noFill/>
+            </a:ln>
+          </p:spPr>
+          <p:style>
+            <a:lnRef idx="2">
+              <a:schemeClr val="accent1">
+                <a:shade val="50000"/>
+              </a:schemeClr>
+            </a:lnRef>
+            <a:fillRef idx="1">
+              <a:schemeClr val="accent1"/>
+            </a:fillRef>
+            <a:effectRef idx="0">
+              <a:schemeClr val="accent1"/>
+            </a:effectRef>
+            <a:fontRef idx="minor">
+              <a:schemeClr val="lt1"/>
+            </a:fontRef>
+          </p:style>
+          <p:txBody>
+            <a:bodyPr rtlCol="0" anchor="ctr"/>
+            <a:lstStyle/>
+            <a:p>
+              <a:pPr algn="ctr"/>
+              <a:endParaRPr kumimoji="1" lang="zh-CN" altLang="en-US"/>
+            </a:p>
+          </p:txBody>
+        </p:sp>
+        <p:sp>
+          <p:nvSpPr>
+            <p:cNvPr id="55" name="菱形 54">
+              <a:extLst>
+                <a:ext uri="{FF2B5EF4-FFF2-40B4-BE49-F238E27FC236}">
+                  <a16:creationId xmlns:a16="http://schemas.microsoft.com/office/drawing/2014/main" id="{DDBC924F-3D6F-A34D-83D1-AD544C1512A1}"/>
+                </a:ext>
+              </a:extLst>
+            </p:cNvPr>
+            <p:cNvSpPr/>
+            <p:nvPr/>
+          </p:nvSpPr>
+          <p:spPr>
+            <a:xfrm>
+              <a:off x="3250048" y="3294275"/>
+              <a:ext cx="1770880" cy="1770880"/>
+            </a:xfrm>
+            <a:prstGeom prst="diamond">
+              <a:avLst/>
+            </a:prstGeom>
+            <a:grpFill/>
+            <a:ln>
+              <a:noFill/>
+            </a:ln>
+          </p:spPr>
+          <p:style>
+            <a:lnRef idx="2">
+              <a:schemeClr val="accent1">
+                <a:shade val="50000"/>
+              </a:schemeClr>
+            </a:lnRef>
+            <a:fillRef idx="1">
+              <a:schemeClr val="accent1"/>
+            </a:fillRef>
+            <a:effectRef idx="0">
+              <a:schemeClr val="accent1"/>
+            </a:effectRef>
+            <a:fontRef idx="minor">
+              <a:schemeClr val="lt1"/>
+            </a:fontRef>
+          </p:style>
+          <p:txBody>
+            <a:bodyPr rtlCol="0" anchor="ctr"/>
+            <a:lstStyle/>
+            <a:p>
+              <a:pPr algn="ctr"/>
+              <a:endParaRPr kumimoji="1" lang="zh-CN" altLang="en-US"/>
+            </a:p>
+          </p:txBody>
+        </p:sp>
+        <p:sp>
+          <p:nvSpPr>
+            <p:cNvPr id="56" name="菱形 55">
+              <a:extLst>
+                <a:ext uri="{FF2B5EF4-FFF2-40B4-BE49-F238E27FC236}">
+                  <a16:creationId xmlns:a16="http://schemas.microsoft.com/office/drawing/2014/main" id="{A5DC6F79-A220-CC41-B91C-1C77E7A09A8D}"/>
+                </a:ext>
+              </a:extLst>
+            </p:cNvPr>
+            <p:cNvSpPr/>
+            <p:nvPr/>
+          </p:nvSpPr>
+          <p:spPr>
+            <a:xfrm>
+              <a:off x="-473465" y="1442098"/>
+              <a:ext cx="1770880" cy="1770880"/>
+            </a:xfrm>
+            <a:prstGeom prst="diamond">
+              <a:avLst/>
+            </a:prstGeom>
+            <a:grpFill/>
+            <a:ln>
+              <a:noFill/>
+            </a:ln>
+          </p:spPr>
+          <p:style>
+            <a:lnRef idx="2">
+              <a:schemeClr val="accent1">
+                <a:shade val="50000"/>
+              </a:schemeClr>
+            </a:lnRef>
+            <a:fillRef idx="1">
+              <a:schemeClr val="accent1"/>
+            </a:fillRef>
+            <a:effectRef idx="0">
+              <a:schemeClr val="accent1"/>
+            </a:effectRef>
+            <a:fontRef idx="minor">
+              <a:schemeClr val="lt1"/>
+            </a:fontRef>
+          </p:style>
+          <p:txBody>
+            <a:bodyPr rtlCol="0" anchor="ctr"/>
+            <a:lstStyle/>
+            <a:p>
+              <a:pPr algn="ctr"/>
+              <a:endParaRPr kumimoji="1" lang="zh-CN" altLang="en-US"/>
+            </a:p>
+          </p:txBody>
+        </p:sp>
+        <p:sp>
+          <p:nvSpPr>
+            <p:cNvPr id="57" name="菱形 56">
+              <a:extLst>
+                <a:ext uri="{FF2B5EF4-FFF2-40B4-BE49-F238E27FC236}">
+                  <a16:creationId xmlns:a16="http://schemas.microsoft.com/office/drawing/2014/main" id="{92F021B6-D9BD-3541-8BC5-C7F306CCA086}"/>
+                </a:ext>
+              </a:extLst>
+            </p:cNvPr>
+            <p:cNvSpPr/>
+            <p:nvPr/>
+          </p:nvSpPr>
+          <p:spPr>
+            <a:xfrm>
+              <a:off x="1370833" y="1442098"/>
+              <a:ext cx="1770880" cy="1770880"/>
+            </a:xfrm>
+            <a:prstGeom prst="diamond">
+              <a:avLst/>
+            </a:prstGeom>
+            <a:grpFill/>
+            <a:ln>
+              <a:noFill/>
+            </a:ln>
+          </p:spPr>
+          <p:style>
+            <a:lnRef idx="2">
+              <a:schemeClr val="accent1">
+                <a:shade val="50000"/>
+              </a:schemeClr>
+            </a:lnRef>
+            <a:fillRef idx="1">
+              <a:schemeClr val="accent1"/>
+            </a:fillRef>
+            <a:effectRef idx="0">
+              <a:schemeClr val="accent1"/>
+            </a:effectRef>
+            <a:fontRef idx="minor">
+              <a:schemeClr val="lt1"/>
+            </a:fontRef>
+          </p:style>
+          <p:txBody>
+            <a:bodyPr rtlCol="0" anchor="ctr"/>
+            <a:lstStyle/>
+            <a:p>
+              <a:pPr algn="ctr"/>
+              <a:endParaRPr kumimoji="1" lang="zh-CN" altLang="en-US"/>
+            </a:p>
+          </p:txBody>
+        </p:sp>
+        <p:sp>
+          <p:nvSpPr>
+            <p:cNvPr id="58" name="菱形 57">
+              <a:extLst>
+                <a:ext uri="{FF2B5EF4-FFF2-40B4-BE49-F238E27FC236}">
+                  <a16:creationId xmlns:a16="http://schemas.microsoft.com/office/drawing/2014/main" id="{764428CC-6C11-1A4C-91ED-EB79BADA6810}"/>
+                </a:ext>
+              </a:extLst>
+            </p:cNvPr>
+            <p:cNvSpPr/>
+            <p:nvPr/>
+          </p:nvSpPr>
+          <p:spPr>
+            <a:xfrm>
+              <a:off x="448684" y="2364248"/>
+              <a:ext cx="1770880" cy="1770880"/>
+            </a:xfrm>
+            <a:prstGeom prst="diamond">
+              <a:avLst/>
+            </a:prstGeom>
+            <a:grpFill/>
+            <a:ln>
+              <a:noFill/>
+            </a:ln>
+          </p:spPr>
+          <p:style>
+            <a:lnRef idx="2">
+              <a:schemeClr val="accent1">
+                <a:shade val="50000"/>
+              </a:schemeClr>
+            </a:lnRef>
+            <a:fillRef idx="1">
+              <a:schemeClr val="accent1"/>
+            </a:fillRef>
+            <a:effectRef idx="0">
+              <a:schemeClr val="accent1"/>
+            </a:effectRef>
+            <a:fontRef idx="minor">
+              <a:schemeClr val="lt1"/>
+            </a:fontRef>
+          </p:style>
+          <p:txBody>
+            <a:bodyPr rtlCol="0" anchor="ctr"/>
+            <a:lstStyle/>
+            <a:p>
+              <a:pPr algn="ctr"/>
+              <a:endParaRPr kumimoji="1" lang="zh-CN" altLang="en-US"/>
+            </a:p>
+          </p:txBody>
+        </p:sp>
+        <p:sp>
+          <p:nvSpPr>
+            <p:cNvPr id="59" name="菱形 58">
+              <a:extLst>
+                <a:ext uri="{FF2B5EF4-FFF2-40B4-BE49-F238E27FC236}">
+                  <a16:creationId xmlns:a16="http://schemas.microsoft.com/office/drawing/2014/main" id="{E7D094CF-379D-6B42-93DE-6F43FB505C60}"/>
+                </a:ext>
+              </a:extLst>
+            </p:cNvPr>
+            <p:cNvSpPr/>
+            <p:nvPr/>
+          </p:nvSpPr>
+          <p:spPr>
+            <a:xfrm>
+              <a:off x="-486466" y="3277626"/>
+              <a:ext cx="1770880" cy="1770880"/>
+            </a:xfrm>
+            <a:prstGeom prst="diamond">
+              <a:avLst/>
+            </a:prstGeom>
+            <a:grpFill/>
+            <a:ln>
+              <a:noFill/>
+            </a:ln>
+          </p:spPr>
+          <p:style>
+            <a:lnRef idx="2">
+              <a:schemeClr val="accent1">
+                <a:shade val="50000"/>
+              </a:schemeClr>
+            </a:lnRef>
+            <a:fillRef idx="1">
+              <a:schemeClr val="accent1"/>
+            </a:fillRef>
+            <a:effectRef idx="0">
+              <a:schemeClr val="accent1"/>
+            </a:effectRef>
+            <a:fontRef idx="minor">
+              <a:schemeClr val="lt1"/>
+            </a:fontRef>
+          </p:style>
+          <p:txBody>
+            <a:bodyPr rtlCol="0" anchor="ctr"/>
+            <a:lstStyle/>
+            <a:p>
+              <a:pPr algn="ctr"/>
+              <a:endParaRPr kumimoji="1" lang="zh-CN" altLang="en-US"/>
+            </a:p>
+          </p:txBody>
+        </p:sp>
+        <p:sp>
+          <p:nvSpPr>
+            <p:cNvPr id="60" name="菱形 59">
+              <a:extLst>
+                <a:ext uri="{FF2B5EF4-FFF2-40B4-BE49-F238E27FC236}">
+                  <a16:creationId xmlns:a16="http://schemas.microsoft.com/office/drawing/2014/main" id="{26492E5D-E45A-9443-B27A-6A01FB12616D}"/>
+                </a:ext>
+              </a:extLst>
+            </p:cNvPr>
+            <p:cNvSpPr/>
+            <p:nvPr/>
+          </p:nvSpPr>
+          <p:spPr>
+            <a:xfrm>
+              <a:off x="454790" y="4203497"/>
+              <a:ext cx="1770880" cy="1770880"/>
+            </a:xfrm>
+            <a:prstGeom prst="diamond">
+              <a:avLst/>
+            </a:prstGeom>
+            <a:grpFill/>
+            <a:ln>
+              <a:noFill/>
+            </a:ln>
+          </p:spPr>
+          <p:style>
+            <a:lnRef idx="2">
+              <a:schemeClr val="accent1">
+                <a:shade val="50000"/>
+              </a:schemeClr>
+            </a:lnRef>
+            <a:fillRef idx="1">
+              <a:schemeClr val="accent1"/>
+            </a:fillRef>
+            <a:effectRef idx="0">
+              <a:schemeClr val="accent1"/>
+            </a:effectRef>
+            <a:fontRef idx="minor">
+              <a:schemeClr val="lt1"/>
+            </a:fontRef>
+          </p:style>
+          <p:txBody>
+            <a:bodyPr rtlCol="0" anchor="ctr"/>
+            <a:lstStyle/>
+            <a:p>
+              <a:pPr algn="ctr"/>
+              <a:endParaRPr kumimoji="1" lang="zh-CN" altLang="en-US"/>
+            </a:p>
+          </p:txBody>
+        </p:sp>
+        <p:sp>
+          <p:nvSpPr>
+            <p:cNvPr id="61" name="菱形 60">
+              <a:extLst>
+                <a:ext uri="{FF2B5EF4-FFF2-40B4-BE49-F238E27FC236}">
+                  <a16:creationId xmlns:a16="http://schemas.microsoft.com/office/drawing/2014/main" id="{CC341238-C588-424C-9393-91F882CFABBD}"/>
+                </a:ext>
+              </a:extLst>
+            </p:cNvPr>
+            <p:cNvSpPr/>
+            <p:nvPr/>
+          </p:nvSpPr>
+          <p:spPr>
+            <a:xfrm>
+              <a:off x="2307072" y="4223274"/>
+              <a:ext cx="1770880" cy="1770880"/>
+            </a:xfrm>
+            <a:prstGeom prst="diamond">
+              <a:avLst/>
+            </a:prstGeom>
+            <a:grpFill/>
+            <a:ln>
+              <a:noFill/>
+            </a:ln>
+          </p:spPr>
+          <p:style>
+            <a:lnRef idx="2">
+              <a:schemeClr val="accent1">
+                <a:shade val="50000"/>
+              </a:schemeClr>
+            </a:lnRef>
+            <a:fillRef idx="1">
+              <a:schemeClr val="accent1"/>
+            </a:fillRef>
+            <a:effectRef idx="0">
+              <a:schemeClr val="accent1"/>
+            </a:effectRef>
+            <a:fontRef idx="minor">
+              <a:schemeClr val="lt1"/>
+            </a:fontRef>
+          </p:style>
+          <p:txBody>
+            <a:bodyPr rtlCol="0" anchor="ctr"/>
+            <a:lstStyle/>
+            <a:p>
+              <a:pPr algn="ctr"/>
+              <a:endParaRPr kumimoji="1" lang="zh-CN" altLang="en-US"/>
+            </a:p>
+          </p:txBody>
+        </p:sp>
+        <p:sp>
+          <p:nvSpPr>
+            <p:cNvPr id="62" name="菱形 61">
+              <a:extLst>
+                <a:ext uri="{FF2B5EF4-FFF2-40B4-BE49-F238E27FC236}">
+                  <a16:creationId xmlns:a16="http://schemas.microsoft.com/office/drawing/2014/main" id="{3F1FC20E-AF25-F94E-88B3-79552F961FE0}"/>
+                </a:ext>
+              </a:extLst>
+            </p:cNvPr>
+            <p:cNvSpPr/>
+            <p:nvPr/>
+          </p:nvSpPr>
+          <p:spPr>
+            <a:xfrm>
+              <a:off x="-484292" y="5125647"/>
+              <a:ext cx="1770880" cy="1770880"/>
+            </a:xfrm>
+            <a:prstGeom prst="diamond">
+              <a:avLst/>
+            </a:prstGeom>
+            <a:grpFill/>
+            <a:ln>
+              <a:noFill/>
+            </a:ln>
+          </p:spPr>
+          <p:style>
+            <a:lnRef idx="2">
+              <a:schemeClr val="accent1">
+                <a:shade val="50000"/>
+              </a:schemeClr>
+            </a:lnRef>
+            <a:fillRef idx="1">
+              <a:schemeClr val="accent1"/>
+            </a:fillRef>
+            <a:effectRef idx="0">
+              <a:schemeClr val="accent1"/>
+            </a:effectRef>
+            <a:fontRef idx="minor">
+              <a:schemeClr val="lt1"/>
+            </a:fontRef>
+          </p:style>
+          <p:txBody>
+            <a:bodyPr rtlCol="0" anchor="ctr"/>
+            <a:lstStyle/>
+            <a:p>
+              <a:pPr algn="ctr"/>
+              <a:endParaRPr kumimoji="1" lang="zh-CN" altLang="en-US"/>
+            </a:p>
+          </p:txBody>
+        </p:sp>
+        <p:sp>
+          <p:nvSpPr>
+            <p:cNvPr id="63" name="菱形 62">
+              <a:extLst>
+                <a:ext uri="{FF2B5EF4-FFF2-40B4-BE49-F238E27FC236}">
+                  <a16:creationId xmlns:a16="http://schemas.microsoft.com/office/drawing/2014/main" id="{60A6083A-86ED-854D-B0CC-70080C736D7A}"/>
+                </a:ext>
+              </a:extLst>
+            </p:cNvPr>
+            <p:cNvSpPr/>
+            <p:nvPr/>
+          </p:nvSpPr>
+          <p:spPr>
+            <a:xfrm>
+              <a:off x="1360006" y="5125647"/>
+              <a:ext cx="1770880" cy="1770880"/>
+            </a:xfrm>
+            <a:prstGeom prst="diamond">
+              <a:avLst/>
+            </a:prstGeom>
+            <a:grpFill/>
+            <a:ln>
+              <a:noFill/>
+            </a:ln>
+          </p:spPr>
+          <p:style>
+            <a:lnRef idx="2">
+              <a:schemeClr val="accent1">
+                <a:shade val="50000"/>
+              </a:schemeClr>
+            </a:lnRef>
+            <a:fillRef idx="1">
+              <a:schemeClr val="accent1"/>
+            </a:fillRef>
+            <a:effectRef idx="0">
+              <a:schemeClr val="accent1"/>
+            </a:effectRef>
+            <a:fontRef idx="minor">
+              <a:schemeClr val="lt1"/>
+            </a:fontRef>
+          </p:style>
+          <p:txBody>
+            <a:bodyPr rtlCol="0" anchor="ctr"/>
+            <a:lstStyle/>
+            <a:p>
+              <a:pPr algn="ctr"/>
+              <a:endParaRPr kumimoji="1" lang="zh-CN" altLang="en-US"/>
+            </a:p>
+          </p:txBody>
+        </p:sp>
+        <p:sp>
+          <p:nvSpPr>
+            <p:cNvPr id="64" name="菱形 63">
+              <a:extLst>
+                <a:ext uri="{FF2B5EF4-FFF2-40B4-BE49-F238E27FC236}">
+                  <a16:creationId xmlns:a16="http://schemas.microsoft.com/office/drawing/2014/main" id="{2D751638-3585-5B45-93FA-6A2316D70E50}"/>
+                </a:ext>
+              </a:extLst>
+            </p:cNvPr>
+            <p:cNvSpPr/>
+            <p:nvPr/>
+          </p:nvSpPr>
+          <p:spPr>
+            <a:xfrm>
+              <a:off x="437857" y="6064730"/>
+              <a:ext cx="1770880" cy="1770880"/>
+            </a:xfrm>
+            <a:prstGeom prst="diamond">
+              <a:avLst/>
+            </a:prstGeom>
+            <a:grpFill/>
+            <a:ln>
+              <a:noFill/>
+            </a:ln>
+          </p:spPr>
+          <p:style>
+            <a:lnRef idx="2">
+              <a:schemeClr val="accent1">
+                <a:shade val="50000"/>
+              </a:schemeClr>
+            </a:lnRef>
+            <a:fillRef idx="1">
+              <a:schemeClr val="accent1"/>
+            </a:fillRef>
+            <a:effectRef idx="0">
+              <a:schemeClr val="accent1"/>
+            </a:effectRef>
+            <a:fontRef idx="minor">
+              <a:schemeClr val="lt1"/>
+            </a:fontRef>
+          </p:style>
+          <p:txBody>
+            <a:bodyPr rtlCol="0" anchor="ctr"/>
+            <a:lstStyle/>
+            <a:p>
+              <a:pPr algn="ctr"/>
+              <a:endParaRPr kumimoji="1" lang="zh-CN" altLang="en-US"/>
+            </a:p>
+          </p:txBody>
+        </p:sp>
+        <p:sp>
+          <p:nvSpPr>
+            <p:cNvPr id="65" name="菱形 64">
+              <a:extLst>
+                <a:ext uri="{FF2B5EF4-FFF2-40B4-BE49-F238E27FC236}">
+                  <a16:creationId xmlns:a16="http://schemas.microsoft.com/office/drawing/2014/main" id="{B2DBE578-08E4-7F46-9F77-4B85FDE4DBE7}"/>
+                </a:ext>
+              </a:extLst>
+            </p:cNvPr>
+            <p:cNvSpPr/>
+            <p:nvPr/>
+          </p:nvSpPr>
+          <p:spPr>
+            <a:xfrm>
+              <a:off x="1384923" y="3294559"/>
+              <a:ext cx="1770880" cy="1770880"/>
+            </a:xfrm>
+            <a:prstGeom prst="diamond">
+              <a:avLst/>
+            </a:prstGeom>
+            <a:grpFill/>
+            <a:ln>
+              <a:noFill/>
+            </a:ln>
+          </p:spPr>
+          <p:style>
+            <a:lnRef idx="2">
+              <a:schemeClr val="accent1">
+                <a:shade val="50000"/>
+              </a:schemeClr>
+            </a:lnRef>
+            <a:fillRef idx="1">
+              <a:schemeClr val="accent1"/>
+            </a:fillRef>
+            <a:effectRef idx="0">
+              <a:schemeClr val="accent1"/>
+            </a:effectRef>
+            <a:fontRef idx="minor">
+              <a:schemeClr val="lt1"/>
+            </a:fontRef>
+          </p:style>
+          <p:txBody>
+            <a:bodyPr rtlCol="0" anchor="ctr"/>
+            <a:lstStyle/>
+            <a:p>
+              <a:pPr algn="ctr"/>
+              <a:endParaRPr kumimoji="1" lang="zh-CN" altLang="en-US"/>
+            </a:p>
+          </p:txBody>
+        </p:sp>
+        <p:sp>
+          <p:nvSpPr>
+            <p:cNvPr id="66" name="菱形 65">
+              <a:extLst>
+                <a:ext uri="{FF2B5EF4-FFF2-40B4-BE49-F238E27FC236}">
+                  <a16:creationId xmlns:a16="http://schemas.microsoft.com/office/drawing/2014/main" id="{EAACD3F9-8393-0545-ACB3-F724CB3EA7EF}"/>
+                </a:ext>
+              </a:extLst>
+            </p:cNvPr>
+            <p:cNvSpPr/>
+            <p:nvPr/>
+          </p:nvSpPr>
+          <p:spPr>
+            <a:xfrm>
+              <a:off x="2325952" y="2375253"/>
+              <a:ext cx="1770880" cy="1770880"/>
+            </a:xfrm>
+            <a:prstGeom prst="diamond">
+              <a:avLst/>
+            </a:prstGeom>
+            <a:grpFill/>
+            <a:ln>
+              <a:noFill/>
+            </a:ln>
+          </p:spPr>
+          <p:style>
+            <a:lnRef idx="2">
+              <a:schemeClr val="accent1">
+                <a:shade val="50000"/>
+              </a:schemeClr>
+            </a:lnRef>
+            <a:fillRef idx="1">
+              <a:schemeClr val="accent1"/>
+            </a:fillRef>
+            <a:effectRef idx="0">
+              <a:schemeClr val="accent1"/>
+            </a:effectRef>
+            <a:fontRef idx="minor">
+              <a:schemeClr val="lt1"/>
+            </a:fontRef>
+          </p:style>
+          <p:txBody>
+            <a:bodyPr rtlCol="0" anchor="ctr"/>
+            <a:lstStyle/>
+            <a:p>
+              <a:pPr algn="ctr"/>
+              <a:endParaRPr kumimoji="1" lang="zh-CN" altLang="en-US"/>
+            </a:p>
+          </p:txBody>
+        </p:sp>
+        <p:sp>
+          <p:nvSpPr>
+            <p:cNvPr id="67" name="菱形 66">
+              <a:extLst>
+                <a:ext uri="{FF2B5EF4-FFF2-40B4-BE49-F238E27FC236}">
+                  <a16:creationId xmlns:a16="http://schemas.microsoft.com/office/drawing/2014/main" id="{A6F81277-CA14-0842-8AD3-7B0149320BD9}"/>
+                </a:ext>
+              </a:extLst>
+            </p:cNvPr>
+            <p:cNvSpPr/>
+            <p:nvPr/>
+          </p:nvSpPr>
+          <p:spPr>
+            <a:xfrm>
+              <a:off x="460600" y="-1319244"/>
+              <a:ext cx="1770880" cy="1770880"/>
+            </a:xfrm>
+            <a:prstGeom prst="diamond">
+              <a:avLst/>
+            </a:prstGeom>
+            <a:grpFill/>
+            <a:ln>
+              <a:noFill/>
+            </a:ln>
+          </p:spPr>
+          <p:style>
+            <a:lnRef idx="2">
+              <a:schemeClr val="accent1">
+                <a:shade val="50000"/>
+              </a:schemeClr>
+            </a:lnRef>
+            <a:fillRef idx="1">
+              <a:schemeClr val="accent1"/>
+            </a:fillRef>
+            <a:effectRef idx="0">
+              <a:schemeClr val="accent1"/>
+            </a:effectRef>
+            <a:fontRef idx="minor">
+              <a:schemeClr val="lt1"/>
+            </a:fontRef>
+          </p:style>
+          <p:txBody>
+            <a:bodyPr rtlCol="0" anchor="ctr"/>
+            <a:lstStyle/>
+            <a:p>
+              <a:pPr algn="ctr"/>
+              <a:endParaRPr kumimoji="1" lang="zh-CN" altLang="en-US"/>
+            </a:p>
+          </p:txBody>
+        </p:sp>
+        <p:sp>
+          <p:nvSpPr>
+            <p:cNvPr id="68" name="菱形 67">
+              <a:extLst>
+                <a:ext uri="{FF2B5EF4-FFF2-40B4-BE49-F238E27FC236}">
+                  <a16:creationId xmlns:a16="http://schemas.microsoft.com/office/drawing/2014/main" id="{0CE151A7-B7BA-0044-8003-DCD1B192E9D2}"/>
+                </a:ext>
+              </a:extLst>
+            </p:cNvPr>
+            <p:cNvSpPr/>
+            <p:nvPr/>
+          </p:nvSpPr>
+          <p:spPr>
+            <a:xfrm>
+              <a:off x="1384923" y="-393373"/>
+              <a:ext cx="1770880" cy="1770880"/>
+            </a:xfrm>
+            <a:prstGeom prst="diamond">
+              <a:avLst/>
+            </a:prstGeom>
+            <a:grpFill/>
+            <a:ln>
+              <a:noFill/>
+            </a:ln>
+          </p:spPr>
+          <p:style>
+            <a:lnRef idx="2">
+              <a:schemeClr val="accent1">
+                <a:shade val="50000"/>
+              </a:schemeClr>
+            </a:lnRef>
+            <a:fillRef idx="1">
+              <a:schemeClr val="accent1"/>
+            </a:fillRef>
+            <a:effectRef idx="0">
+              <a:schemeClr val="accent1"/>
+            </a:effectRef>
+            <a:fontRef idx="minor">
+              <a:schemeClr val="lt1"/>
+            </a:fontRef>
+          </p:style>
+          <p:txBody>
+            <a:bodyPr rtlCol="0" anchor="ctr"/>
+            <a:lstStyle/>
+            <a:p>
+              <a:pPr algn="ctr"/>
+              <a:endParaRPr kumimoji="1" lang="zh-CN" altLang="en-US"/>
+            </a:p>
+          </p:txBody>
+        </p:sp>
+        <p:sp>
+          <p:nvSpPr>
+            <p:cNvPr id="69" name="菱形 68">
+              <a:extLst>
+                <a:ext uri="{FF2B5EF4-FFF2-40B4-BE49-F238E27FC236}">
+                  <a16:creationId xmlns:a16="http://schemas.microsoft.com/office/drawing/2014/main" id="{AD4B0D5F-10FF-B648-8AAD-01C57E8CA67B}"/>
+                </a:ext>
+              </a:extLst>
+            </p:cNvPr>
+            <p:cNvSpPr/>
+            <p:nvPr/>
+          </p:nvSpPr>
+          <p:spPr>
+            <a:xfrm>
+              <a:off x="3266981" y="1452015"/>
+              <a:ext cx="1770880" cy="1770880"/>
+            </a:xfrm>
+            <a:prstGeom prst="diamond">
+              <a:avLst/>
+            </a:prstGeom>
+            <a:grpFill/>
+            <a:ln>
+              <a:noFill/>
+            </a:ln>
+          </p:spPr>
+          <p:style>
+            <a:lnRef idx="2">
+              <a:schemeClr val="accent1">
+                <a:shade val="50000"/>
+              </a:schemeClr>
+            </a:lnRef>
+            <a:fillRef idx="1">
+              <a:schemeClr val="accent1"/>
+            </a:fillRef>
+            <a:effectRef idx="0">
+              <a:schemeClr val="accent1"/>
+            </a:effectRef>
+            <a:fontRef idx="minor">
+              <a:schemeClr val="lt1"/>
+            </a:fontRef>
+          </p:style>
+          <p:txBody>
+            <a:bodyPr rtlCol="0" anchor="ctr"/>
+            <a:lstStyle/>
+            <a:p>
+              <a:pPr algn="ctr"/>
+              <a:endParaRPr kumimoji="1" lang="zh-CN" altLang="en-US" dirty="0"/>
+            </a:p>
+          </p:txBody>
+        </p:sp>
+        <p:sp>
+          <p:nvSpPr>
+            <p:cNvPr id="70" name="菱形 69">
+              <a:extLst>
+                <a:ext uri="{FF2B5EF4-FFF2-40B4-BE49-F238E27FC236}">
+                  <a16:creationId xmlns:a16="http://schemas.microsoft.com/office/drawing/2014/main" id="{6F3CC3F5-940A-294D-B6F1-D0E9F71A4FD5}"/>
+                </a:ext>
+              </a:extLst>
+            </p:cNvPr>
+            <p:cNvSpPr/>
+            <p:nvPr/>
+          </p:nvSpPr>
+          <p:spPr>
+            <a:xfrm>
+              <a:off x="2307072" y="528777"/>
+              <a:ext cx="1770880" cy="1770880"/>
+            </a:xfrm>
+            <a:prstGeom prst="diamond">
+              <a:avLst/>
+            </a:prstGeom>
+            <a:grpFill/>
+            <a:ln>
+              <a:noFill/>
+            </a:ln>
+          </p:spPr>
+          <p:style>
+            <a:lnRef idx="2">
+              <a:schemeClr val="accent1">
+                <a:shade val="50000"/>
+              </a:schemeClr>
+            </a:lnRef>
+            <a:fillRef idx="1">
+              <a:schemeClr val="accent1"/>
+            </a:fillRef>
+            <a:effectRef idx="0">
+              <a:schemeClr val="accent1"/>
+            </a:effectRef>
+            <a:fontRef idx="minor">
+              <a:schemeClr val="lt1"/>
+            </a:fontRef>
+          </p:style>
+          <p:txBody>
+            <a:bodyPr rtlCol="0" anchor="ctr"/>
+            <a:lstStyle/>
+            <a:p>
+              <a:pPr algn="ctr"/>
+              <a:endParaRPr kumimoji="1" lang="zh-CN" altLang="en-US"/>
+            </a:p>
+          </p:txBody>
+        </p:sp>
+        <p:sp>
+          <p:nvSpPr>
+            <p:cNvPr id="72" name="菱形 71">
+              <a:extLst>
+                <a:ext uri="{FF2B5EF4-FFF2-40B4-BE49-F238E27FC236}">
+                  <a16:creationId xmlns:a16="http://schemas.microsoft.com/office/drawing/2014/main" id="{DF62B1FE-68D3-1544-88BD-E7D6C5088AC3}"/>
+                </a:ext>
+              </a:extLst>
+            </p:cNvPr>
+            <p:cNvSpPr/>
+            <p:nvPr/>
+          </p:nvSpPr>
+          <p:spPr>
+            <a:xfrm>
+              <a:off x="4190341" y="2364679"/>
+              <a:ext cx="1770880" cy="1770880"/>
+            </a:xfrm>
+            <a:prstGeom prst="diamond">
+              <a:avLst/>
+            </a:prstGeom>
+            <a:grpFill/>
+            <a:ln>
+              <a:noFill/>
+            </a:ln>
+          </p:spPr>
+          <p:style>
+            <a:lnRef idx="2">
+              <a:schemeClr val="accent1">
+                <a:shade val="50000"/>
+              </a:schemeClr>
+            </a:lnRef>
+            <a:fillRef idx="1">
+              <a:schemeClr val="accent1"/>
+            </a:fillRef>
+            <a:effectRef idx="0">
+              <a:schemeClr val="accent1"/>
+            </a:effectRef>
+            <a:fontRef idx="minor">
+              <a:schemeClr val="lt1"/>
+            </a:fontRef>
+          </p:style>
+          <p:txBody>
+            <a:bodyPr rtlCol="0" anchor="ctr"/>
+            <a:lstStyle/>
+            <a:p>
+              <a:pPr algn="ctr"/>
+              <a:endParaRPr kumimoji="1" lang="zh-CN" altLang="en-US"/>
+            </a:p>
+          </p:txBody>
+        </p:sp>
+      </p:grpSp>
+    </p:spTree>
+    <p:extLst>
+      <p:ext uri="{BB962C8B-B14F-4D97-AF65-F5344CB8AC3E}">
+        <p14:creationId xmlns:p14="http://schemas.microsoft.com/office/powerpoint/2010/main" val="1658609396"/>
+      </p:ext>
+    </p:extLst>
+  </p:cSld>
+  <p:clrMapOvr>
+    <a:masterClrMapping/>
+  </p:clrMapOvr>
+</p:sld>
+</file>
+
+<file path=ppt/slides/slide4.xml><?xml version="1.0" encoding="utf-8"?>
+<p:sld xmlns:a="http://schemas.openxmlformats.org/drawingml/2006/main" xmlns:r="http://schemas.openxmlformats.org/officeDocument/2006/relationships" xmlns:p="http://schemas.openxmlformats.org/presentationml/2006/main">
+  <p:cSld>
+    <p:spTree>
+      <p:nvGrpSpPr>
+        <p:cNvPr id="1" name=""/>
+        <p:cNvGrpSpPr/>
+        <p:nvPr/>
+      </p:nvGrpSpPr>
+      <p:grpSpPr>
+        <a:xfrm>
+          <a:off x="0" y="0"/>
+          <a:ext cx="0" cy="0"/>
+          <a:chOff x="0" y="0"/>
+          <a:chExt cx="0" cy="0"/>
+        </a:xfrm>
+      </p:grpSpPr>
+      <p:sp>
+        <p:nvSpPr>
+          <p:cNvPr id="7" name="文本框 6">
+            <a:extLst>
+              <a:ext uri="{FF2B5EF4-FFF2-40B4-BE49-F238E27FC236}">
+                <a16:creationId xmlns:a16="http://schemas.microsoft.com/office/drawing/2014/main" id="{9EFE8AE2-C9ED-3E41-AB4B-88F20D0647B5}"/>
+              </a:ext>
+            </a:extLst>
+          </p:cNvPr>
+          <p:cNvSpPr txBox="1"/>
+          <p:nvPr/>
+        </p:nvSpPr>
+        <p:spPr>
+          <a:xfrm>
+            <a:off x="7463386" y="759237"/>
+            <a:ext cx="5294671" cy="1200329"/>
+          </a:xfrm>
+          <a:prstGeom prst="rect">
+            <a:avLst/>
+          </a:prstGeom>
+          <a:noFill/>
+        </p:spPr>
+        <p:txBody>
+          <a:bodyPr wrap="square" rtlCol="0">
+            <a:spAutoFit/>
+          </a:bodyPr>
+          <a:lstStyle/>
+          <a:p>
+            <a:r>
+              <a:rPr kumimoji="1" lang="zh-Hans" altLang="en-US" sz="7200" dirty="0"/>
+              <a:t>休闲 </a:t>
+            </a:r>
+            <a:r>
+              <a:rPr kumimoji="1" lang="zh-Hans" altLang="en-US" sz="7200" dirty="0">
+                <a:solidFill>
+                  <a:srgbClr val="9F8359"/>
+                </a:solidFill>
+              </a:rPr>
+              <a:t>咖啡</a:t>
+            </a:r>
+            <a:endParaRPr kumimoji="1" lang="zh-CN" altLang="en-US" sz="7200" dirty="0">
+              <a:solidFill>
+                <a:srgbClr val="9F8359"/>
+              </a:solidFill>
+            </a:endParaRPr>
+          </a:p>
+        </p:txBody>
+      </p:sp>
+      <p:sp>
+        <p:nvSpPr>
+          <p:cNvPr id="8" name="文本框 7">
+            <a:extLst>
+              <a:ext uri="{FF2B5EF4-FFF2-40B4-BE49-F238E27FC236}">
+                <a16:creationId xmlns:a16="http://schemas.microsoft.com/office/drawing/2014/main" id="{926D6899-96E5-0E4F-A7B5-95BE0F2A10AD}"/>
+              </a:ext>
+            </a:extLst>
+          </p:cNvPr>
+          <p:cNvSpPr txBox="1"/>
+          <p:nvPr/>
+        </p:nvSpPr>
+        <p:spPr>
+          <a:xfrm>
+            <a:off x="7463386" y="2186745"/>
+            <a:ext cx="4134465" cy="3877985"/>
+          </a:xfrm>
+          <a:prstGeom prst="rect">
+            <a:avLst/>
+          </a:prstGeom>
+          <a:noFill/>
+        </p:spPr>
+        <p:txBody>
+          <a:bodyPr wrap="square" rtlCol="0">
+            <a:spAutoFit/>
+          </a:bodyPr>
+          <a:lstStyle/>
+          <a:p>
+            <a:pPr fontAlgn="base">
+              <a:lnSpc>
+                <a:spcPct val="150000"/>
+              </a:lnSpc>
+            </a:pPr>
+            <a:r>
+              <a:rPr lang="zh-CN" altLang="en-US" sz="4400" dirty="0"/>
+              <a:t>等忙完</a:t>
+            </a:r>
+            <a:endParaRPr lang="en-US" altLang="zh-CN" sz="3200" dirty="0"/>
+          </a:p>
+          <a:p>
+            <a:pPr fontAlgn="base">
+              <a:lnSpc>
+                <a:spcPct val="150000"/>
+              </a:lnSpc>
+            </a:pPr>
+            <a:r>
+              <a:rPr lang="zh-CN" altLang="en-US" sz="4000" dirty="0">
+                <a:solidFill>
+                  <a:schemeClr val="tx1">
+                    <a:lumMod val="75000"/>
+                    <a:lumOff val="25000"/>
+                  </a:schemeClr>
+                </a:solidFill>
+              </a:rPr>
+              <a:t>这一阵，</a:t>
+            </a:r>
+            <a:endParaRPr lang="zh-CN" altLang="en-US" sz="3200" dirty="0">
+              <a:solidFill>
+                <a:schemeClr val="tx1">
+                  <a:lumMod val="75000"/>
+                  <a:lumOff val="25000"/>
+                </a:schemeClr>
+              </a:solidFill>
+            </a:endParaRPr>
+          </a:p>
+          <a:p>
+            <a:pPr fontAlgn="base">
+              <a:lnSpc>
+                <a:spcPct val="150000"/>
+              </a:lnSpc>
+            </a:pPr>
+            <a:r>
+              <a:rPr lang="zh-CN" altLang="en-US" sz="3600" dirty="0">
+                <a:solidFill>
+                  <a:schemeClr val="bg2">
+                    <a:lumMod val="50000"/>
+                  </a:schemeClr>
+                </a:solidFill>
+              </a:rPr>
+              <a:t>就可以去</a:t>
+            </a:r>
+            <a:endParaRPr lang="zh-CN" altLang="en-US" sz="3200" dirty="0">
+              <a:solidFill>
+                <a:schemeClr val="bg2">
+                  <a:lumMod val="50000"/>
+                </a:schemeClr>
+              </a:solidFill>
+            </a:endParaRPr>
+          </a:p>
+          <a:p>
+            <a:pPr fontAlgn="base">
+              <a:lnSpc>
+                <a:spcPct val="150000"/>
+              </a:lnSpc>
+            </a:pPr>
+            <a:r>
+              <a:rPr lang="zh-CN" altLang="en-US" sz="3200" dirty="0">
+                <a:solidFill>
+                  <a:schemeClr val="bg2">
+                    <a:lumMod val="90000"/>
+                  </a:schemeClr>
+                </a:solidFill>
+              </a:rPr>
+              <a:t>忙下一阵了</a:t>
+            </a:r>
+          </a:p>
+          <a:p>
+            <a:endParaRPr kumimoji="1" lang="zh-CN" altLang="en-US" dirty="0"/>
+          </a:p>
+        </p:txBody>
+      </p:sp>
+      <p:grpSp>
+        <p:nvGrpSpPr>
+          <p:cNvPr id="3" name="组合 2">
+            <a:extLst>
+              <a:ext uri="{FF2B5EF4-FFF2-40B4-BE49-F238E27FC236}">
+                <a16:creationId xmlns:a16="http://schemas.microsoft.com/office/drawing/2014/main" id="{32DD54C4-ED3B-8B49-A119-1B9F75831F84}"/>
+              </a:ext>
+            </a:extLst>
+          </p:cNvPr>
+          <p:cNvGrpSpPr/>
+          <p:nvPr/>
+        </p:nvGrpSpPr>
+        <p:grpSpPr>
+          <a:xfrm>
+            <a:off x="261257" y="-914400"/>
+            <a:ext cx="5861957" cy="7293569"/>
+            <a:chOff x="342900" y="0"/>
+            <a:chExt cx="5176159" cy="6440285"/>
+          </a:xfrm>
+          <a:blipFill>
+            <a:blip r:embed="rId2"/>
+            <a:stretch>
+              <a:fillRect/>
+            </a:stretch>
+          </a:blipFill>
+        </p:grpSpPr>
+        <p:sp>
+          <p:nvSpPr>
+            <p:cNvPr id="2" name="圆角矩形 1">
+              <a:extLst>
+                <a:ext uri="{FF2B5EF4-FFF2-40B4-BE49-F238E27FC236}">
+                  <a16:creationId xmlns:a16="http://schemas.microsoft.com/office/drawing/2014/main" id="{2C0C5AA2-2FC1-B647-9386-C36F0FFEB2F5}"/>
+                </a:ext>
+              </a:extLst>
+            </p:cNvPr>
+            <p:cNvSpPr/>
+            <p:nvPr/>
+          </p:nvSpPr>
+          <p:spPr>
+            <a:xfrm>
+              <a:off x="342900" y="65313"/>
+              <a:ext cx="359228" cy="5852459"/>
+            </a:xfrm>
+            <a:prstGeom prst="roundRect">
+              <a:avLst>
+                <a:gd name="adj" fmla="val 50000"/>
+              </a:avLst>
+            </a:prstGeom>
+            <a:grpFill/>
+            <a:ln>
+              <a:noFill/>
+            </a:ln>
+          </p:spPr>
+          <p:style>
+            <a:lnRef idx="2">
+              <a:schemeClr val="accent1">
+                <a:shade val="50000"/>
+              </a:schemeClr>
+            </a:lnRef>
+            <a:fillRef idx="1">
+              <a:schemeClr val="accent1"/>
+            </a:fillRef>
+            <a:effectRef idx="0">
+              <a:schemeClr val="accent1"/>
+            </a:effectRef>
+            <a:fontRef idx="minor">
+              <a:schemeClr val="lt1"/>
+            </a:fontRef>
+          </p:style>
+          <p:txBody>
+            <a:bodyPr rtlCol="0" anchor="ctr"/>
+            <a:lstStyle/>
+            <a:p>
+              <a:pPr algn="ctr"/>
+              <a:endParaRPr kumimoji="1" lang="zh-CN" altLang="en-US"/>
+            </a:p>
+          </p:txBody>
+        </p:sp>
+        <p:sp>
+          <p:nvSpPr>
+            <p:cNvPr id="25" name="圆角矩形 24">
+              <a:extLst>
+                <a:ext uri="{FF2B5EF4-FFF2-40B4-BE49-F238E27FC236}">
+                  <a16:creationId xmlns:a16="http://schemas.microsoft.com/office/drawing/2014/main" id="{7D99AF48-14C7-D641-BBB7-97193DD67036}"/>
+                </a:ext>
+              </a:extLst>
+            </p:cNvPr>
+            <p:cNvSpPr/>
+            <p:nvPr/>
+          </p:nvSpPr>
+          <p:spPr>
+            <a:xfrm>
+              <a:off x="767443" y="212271"/>
+              <a:ext cx="359228" cy="5852459"/>
+            </a:xfrm>
+            <a:prstGeom prst="roundRect">
+              <a:avLst>
+                <a:gd name="adj" fmla="val 50000"/>
+              </a:avLst>
+            </a:prstGeom>
+            <a:grpFill/>
+            <a:ln>
+              <a:noFill/>
+            </a:ln>
+          </p:spPr>
+          <p:style>
+            <a:lnRef idx="2">
+              <a:schemeClr val="accent1">
+                <a:shade val="50000"/>
+              </a:schemeClr>
+            </a:lnRef>
+            <a:fillRef idx="1">
+              <a:schemeClr val="accent1"/>
+            </a:fillRef>
+            <a:effectRef idx="0">
+              <a:schemeClr val="accent1"/>
+            </a:effectRef>
+            <a:fontRef idx="minor">
+              <a:schemeClr val="lt1"/>
+            </a:fontRef>
+          </p:style>
+          <p:txBody>
+            <a:bodyPr rtlCol="0" anchor="ctr"/>
+            <a:lstStyle/>
+            <a:p>
+              <a:pPr algn="ctr"/>
+              <a:endParaRPr kumimoji="1" lang="zh-CN" altLang="en-US"/>
+            </a:p>
+          </p:txBody>
+        </p:sp>
+        <p:sp>
+          <p:nvSpPr>
+            <p:cNvPr id="26" name="圆角矩形 25">
+              <a:extLst>
+                <a:ext uri="{FF2B5EF4-FFF2-40B4-BE49-F238E27FC236}">
+                  <a16:creationId xmlns:a16="http://schemas.microsoft.com/office/drawing/2014/main" id="{3060B721-1F0B-714D-B845-425DD6604632}"/>
+                </a:ext>
+              </a:extLst>
+            </p:cNvPr>
+            <p:cNvSpPr/>
+            <p:nvPr/>
+          </p:nvSpPr>
+          <p:spPr>
+            <a:xfrm>
+              <a:off x="1632859" y="65313"/>
+              <a:ext cx="359228" cy="5852459"/>
+            </a:xfrm>
+            <a:prstGeom prst="roundRect">
+              <a:avLst>
+                <a:gd name="adj" fmla="val 50000"/>
+              </a:avLst>
+            </a:prstGeom>
+            <a:grpFill/>
+            <a:ln>
+              <a:noFill/>
+            </a:ln>
+          </p:spPr>
+          <p:style>
+            <a:lnRef idx="2">
+              <a:schemeClr val="accent1">
+                <a:shade val="50000"/>
+              </a:schemeClr>
+            </a:lnRef>
+            <a:fillRef idx="1">
+              <a:schemeClr val="accent1"/>
+            </a:fillRef>
+            <a:effectRef idx="0">
+              <a:schemeClr val="accent1"/>
+            </a:effectRef>
+            <a:fontRef idx="minor">
+              <a:schemeClr val="lt1"/>
+            </a:fontRef>
+          </p:style>
+          <p:txBody>
+            <a:bodyPr rtlCol="0" anchor="ctr"/>
+            <a:lstStyle/>
+            <a:p>
+              <a:pPr algn="ctr"/>
+              <a:endParaRPr kumimoji="1" lang="zh-CN" altLang="en-US"/>
+            </a:p>
+          </p:txBody>
+        </p:sp>
+        <p:sp>
+          <p:nvSpPr>
+            <p:cNvPr id="27" name="圆角矩形 26">
+              <a:extLst>
+                <a:ext uri="{FF2B5EF4-FFF2-40B4-BE49-F238E27FC236}">
+                  <a16:creationId xmlns:a16="http://schemas.microsoft.com/office/drawing/2014/main" id="{BAEAED23-66F7-6944-AF69-A098B07A9178}"/>
+                </a:ext>
+              </a:extLst>
+            </p:cNvPr>
+            <p:cNvSpPr/>
+            <p:nvPr/>
+          </p:nvSpPr>
+          <p:spPr>
+            <a:xfrm>
+              <a:off x="1191986" y="440871"/>
+              <a:ext cx="359228" cy="5852459"/>
+            </a:xfrm>
+            <a:prstGeom prst="roundRect">
+              <a:avLst>
+                <a:gd name="adj" fmla="val 50000"/>
+              </a:avLst>
+            </a:prstGeom>
+            <a:grpFill/>
+            <a:ln>
+              <a:noFill/>
+            </a:ln>
+          </p:spPr>
+          <p:style>
+            <a:lnRef idx="2">
+              <a:schemeClr val="accent1">
+                <a:shade val="50000"/>
+              </a:schemeClr>
+            </a:lnRef>
+            <a:fillRef idx="1">
+              <a:schemeClr val="accent1"/>
+            </a:fillRef>
+            <a:effectRef idx="0">
+              <a:schemeClr val="accent1"/>
+            </a:effectRef>
+            <a:fontRef idx="minor">
+              <a:schemeClr val="lt1"/>
+            </a:fontRef>
+          </p:style>
+          <p:txBody>
+            <a:bodyPr rtlCol="0" anchor="ctr"/>
+            <a:lstStyle/>
+            <a:p>
+              <a:pPr algn="ctr"/>
+              <a:endParaRPr kumimoji="1" lang="zh-CN" altLang="en-US"/>
+            </a:p>
+          </p:txBody>
+        </p:sp>
+        <p:sp>
+          <p:nvSpPr>
+            <p:cNvPr id="28" name="圆角矩形 27">
+              <a:extLst>
+                <a:ext uri="{FF2B5EF4-FFF2-40B4-BE49-F238E27FC236}">
+                  <a16:creationId xmlns:a16="http://schemas.microsoft.com/office/drawing/2014/main" id="{B3DE251F-44D3-3142-B93B-1BEF4651C53E}"/>
+                </a:ext>
+              </a:extLst>
+            </p:cNvPr>
+            <p:cNvSpPr/>
+            <p:nvPr/>
+          </p:nvSpPr>
+          <p:spPr>
+            <a:xfrm>
+              <a:off x="2073732" y="212271"/>
+              <a:ext cx="359228" cy="5852459"/>
+            </a:xfrm>
+            <a:prstGeom prst="roundRect">
+              <a:avLst>
+                <a:gd name="adj" fmla="val 50000"/>
+              </a:avLst>
+            </a:prstGeom>
+            <a:grpFill/>
+            <a:ln>
+              <a:noFill/>
+            </a:ln>
+          </p:spPr>
+          <p:style>
+            <a:lnRef idx="2">
+              <a:schemeClr val="accent1">
+                <a:shade val="50000"/>
+              </a:schemeClr>
+            </a:lnRef>
+            <a:fillRef idx="1">
+              <a:schemeClr val="accent1"/>
+            </a:fillRef>
+            <a:effectRef idx="0">
+              <a:schemeClr val="accent1"/>
+            </a:effectRef>
+            <a:fontRef idx="minor">
+              <a:schemeClr val="lt1"/>
+            </a:fontRef>
+          </p:style>
+          <p:txBody>
+            <a:bodyPr rtlCol="0" anchor="ctr"/>
+            <a:lstStyle/>
+            <a:p>
+              <a:pPr algn="ctr"/>
+              <a:endParaRPr kumimoji="1" lang="zh-CN" altLang="en-US"/>
+            </a:p>
+          </p:txBody>
+        </p:sp>
+        <p:sp>
+          <p:nvSpPr>
+            <p:cNvPr id="29" name="圆角矩形 28">
+              <a:extLst>
+                <a:ext uri="{FF2B5EF4-FFF2-40B4-BE49-F238E27FC236}">
+                  <a16:creationId xmlns:a16="http://schemas.microsoft.com/office/drawing/2014/main" id="{F31A3743-2E71-1B46-9CF6-8B15E98260DE}"/>
+                </a:ext>
+              </a:extLst>
+            </p:cNvPr>
+            <p:cNvSpPr/>
+            <p:nvPr/>
+          </p:nvSpPr>
+          <p:spPr>
+            <a:xfrm>
+              <a:off x="2514603" y="440870"/>
+              <a:ext cx="359228" cy="5852459"/>
+            </a:xfrm>
+            <a:prstGeom prst="roundRect">
+              <a:avLst>
+                <a:gd name="adj" fmla="val 50000"/>
+              </a:avLst>
+            </a:prstGeom>
+            <a:grpFill/>
+            <a:ln>
+              <a:noFill/>
+            </a:ln>
+          </p:spPr>
+          <p:style>
+            <a:lnRef idx="2">
+              <a:schemeClr val="accent1">
+                <a:shade val="50000"/>
+              </a:schemeClr>
+            </a:lnRef>
+            <a:fillRef idx="1">
+              <a:schemeClr val="accent1"/>
+            </a:fillRef>
+            <a:effectRef idx="0">
+              <a:schemeClr val="accent1"/>
+            </a:effectRef>
+            <a:fontRef idx="minor">
+              <a:schemeClr val="lt1"/>
+            </a:fontRef>
+          </p:style>
+          <p:txBody>
+            <a:bodyPr rtlCol="0" anchor="ctr"/>
+            <a:lstStyle/>
+            <a:p>
+              <a:pPr algn="ctr"/>
+              <a:endParaRPr kumimoji="1" lang="zh-CN" altLang="en-US"/>
+            </a:p>
+          </p:txBody>
+        </p:sp>
+        <p:sp>
+          <p:nvSpPr>
+            <p:cNvPr id="30" name="圆角矩形 29">
+              <a:extLst>
+                <a:ext uri="{FF2B5EF4-FFF2-40B4-BE49-F238E27FC236}">
+                  <a16:creationId xmlns:a16="http://schemas.microsoft.com/office/drawing/2014/main" id="{DC7C5CF8-52F6-0D4B-B0C0-46BE71311C57}"/>
+                </a:ext>
+              </a:extLst>
+            </p:cNvPr>
+            <p:cNvSpPr/>
+            <p:nvPr/>
+          </p:nvSpPr>
+          <p:spPr>
+            <a:xfrm>
+              <a:off x="2955474" y="440870"/>
+              <a:ext cx="359228" cy="5852459"/>
+            </a:xfrm>
+            <a:prstGeom prst="roundRect">
+              <a:avLst>
+                <a:gd name="adj" fmla="val 50000"/>
+              </a:avLst>
+            </a:prstGeom>
+            <a:grpFill/>
+            <a:ln>
+              <a:noFill/>
+            </a:ln>
+          </p:spPr>
+          <p:style>
+            <a:lnRef idx="2">
+              <a:schemeClr val="accent1">
+                <a:shade val="50000"/>
+              </a:schemeClr>
+            </a:lnRef>
+            <a:fillRef idx="1">
+              <a:schemeClr val="accent1"/>
+            </a:fillRef>
+            <a:effectRef idx="0">
+              <a:schemeClr val="accent1"/>
+            </a:effectRef>
+            <a:fontRef idx="minor">
+              <a:schemeClr val="lt1"/>
+            </a:fontRef>
+          </p:style>
+          <p:txBody>
+            <a:bodyPr rtlCol="0" anchor="ctr"/>
+            <a:lstStyle/>
+            <a:p>
+              <a:pPr algn="ctr"/>
+              <a:endParaRPr kumimoji="1" lang="zh-CN" altLang="en-US"/>
+            </a:p>
+          </p:txBody>
+        </p:sp>
+        <p:sp>
+          <p:nvSpPr>
+            <p:cNvPr id="31" name="圆角矩形 30">
+              <a:extLst>
+                <a:ext uri="{FF2B5EF4-FFF2-40B4-BE49-F238E27FC236}">
+                  <a16:creationId xmlns:a16="http://schemas.microsoft.com/office/drawing/2014/main" id="{4F185A24-038F-9744-A7E4-449BEAF22109}"/>
+                </a:ext>
+              </a:extLst>
+            </p:cNvPr>
+            <p:cNvSpPr/>
+            <p:nvPr/>
+          </p:nvSpPr>
+          <p:spPr>
+            <a:xfrm>
+              <a:off x="3396347" y="0"/>
+              <a:ext cx="359228" cy="5852459"/>
+            </a:xfrm>
+            <a:prstGeom prst="roundRect">
+              <a:avLst>
+                <a:gd name="adj" fmla="val 50000"/>
+              </a:avLst>
+            </a:prstGeom>
+            <a:grpFill/>
+            <a:ln>
+              <a:noFill/>
+            </a:ln>
+          </p:spPr>
+          <p:style>
+            <a:lnRef idx="2">
+              <a:schemeClr val="accent1">
+                <a:shade val="50000"/>
+              </a:schemeClr>
+            </a:lnRef>
+            <a:fillRef idx="1">
+              <a:schemeClr val="accent1"/>
+            </a:fillRef>
+            <a:effectRef idx="0">
+              <a:schemeClr val="accent1"/>
+            </a:effectRef>
+            <a:fontRef idx="minor">
+              <a:schemeClr val="lt1"/>
+            </a:fontRef>
+          </p:style>
+          <p:txBody>
+            <a:bodyPr rtlCol="0" anchor="ctr"/>
+            <a:lstStyle/>
+            <a:p>
+              <a:pPr algn="ctr"/>
+              <a:endParaRPr kumimoji="1" lang="zh-CN" altLang="en-US"/>
+            </a:p>
+          </p:txBody>
+        </p:sp>
+        <p:sp>
+          <p:nvSpPr>
+            <p:cNvPr id="32" name="圆角矩形 31">
+              <a:extLst>
+                <a:ext uri="{FF2B5EF4-FFF2-40B4-BE49-F238E27FC236}">
+                  <a16:creationId xmlns:a16="http://schemas.microsoft.com/office/drawing/2014/main" id="{7C513C5F-3C28-814A-BC99-9E8AEC4500C9}"/>
+                </a:ext>
+              </a:extLst>
+            </p:cNvPr>
+            <p:cNvSpPr/>
+            <p:nvPr/>
+          </p:nvSpPr>
+          <p:spPr>
+            <a:xfrm>
+              <a:off x="3837216" y="228600"/>
+              <a:ext cx="359228" cy="5852459"/>
+            </a:xfrm>
+            <a:prstGeom prst="roundRect">
+              <a:avLst>
+                <a:gd name="adj" fmla="val 50000"/>
+              </a:avLst>
+            </a:prstGeom>
+            <a:grpFill/>
+            <a:ln>
+              <a:noFill/>
+            </a:ln>
+          </p:spPr>
+          <p:style>
+            <a:lnRef idx="2">
+              <a:schemeClr val="accent1">
+                <a:shade val="50000"/>
+              </a:schemeClr>
+            </a:lnRef>
+            <a:fillRef idx="1">
+              <a:schemeClr val="accent1"/>
+            </a:fillRef>
+            <a:effectRef idx="0">
+              <a:schemeClr val="accent1"/>
+            </a:effectRef>
+            <a:fontRef idx="minor">
+              <a:schemeClr val="lt1"/>
+            </a:fontRef>
+          </p:style>
+          <p:txBody>
+            <a:bodyPr rtlCol="0" anchor="ctr"/>
+            <a:lstStyle/>
+            <a:p>
+              <a:pPr algn="ctr"/>
+              <a:endParaRPr kumimoji="1" lang="zh-CN" altLang="en-US"/>
+            </a:p>
+          </p:txBody>
+        </p:sp>
+        <p:sp>
+          <p:nvSpPr>
+            <p:cNvPr id="33" name="圆角矩形 32">
+              <a:extLst>
+                <a:ext uri="{FF2B5EF4-FFF2-40B4-BE49-F238E27FC236}">
+                  <a16:creationId xmlns:a16="http://schemas.microsoft.com/office/drawing/2014/main" id="{92CAD379-6506-9F4B-8671-C2DB2E0D4768}"/>
+                </a:ext>
+              </a:extLst>
+            </p:cNvPr>
+            <p:cNvSpPr/>
+            <p:nvPr/>
+          </p:nvSpPr>
+          <p:spPr>
+            <a:xfrm>
+              <a:off x="4278089" y="587826"/>
+              <a:ext cx="359228" cy="5852459"/>
+            </a:xfrm>
+            <a:prstGeom prst="roundRect">
+              <a:avLst>
+                <a:gd name="adj" fmla="val 50000"/>
+              </a:avLst>
+            </a:prstGeom>
+            <a:grpFill/>
+            <a:ln>
+              <a:noFill/>
+            </a:ln>
+          </p:spPr>
+          <p:style>
+            <a:lnRef idx="2">
+              <a:schemeClr val="accent1">
+                <a:shade val="50000"/>
+              </a:schemeClr>
+            </a:lnRef>
+            <a:fillRef idx="1">
+              <a:schemeClr val="accent1"/>
+            </a:fillRef>
+            <a:effectRef idx="0">
+              <a:schemeClr val="accent1"/>
+            </a:effectRef>
+            <a:fontRef idx="minor">
+              <a:schemeClr val="lt1"/>
+            </a:fontRef>
+          </p:style>
+          <p:txBody>
+            <a:bodyPr rtlCol="0" anchor="ctr"/>
+            <a:lstStyle/>
+            <a:p>
+              <a:pPr algn="ctr"/>
+              <a:endParaRPr kumimoji="1" lang="zh-CN" altLang="en-US"/>
+            </a:p>
+          </p:txBody>
+        </p:sp>
+        <p:sp>
+          <p:nvSpPr>
+            <p:cNvPr id="34" name="圆角矩形 33">
+              <a:extLst>
+                <a:ext uri="{FF2B5EF4-FFF2-40B4-BE49-F238E27FC236}">
+                  <a16:creationId xmlns:a16="http://schemas.microsoft.com/office/drawing/2014/main" id="{A1B3298B-A1CE-594F-A793-2050AF9F7B0A}"/>
+                </a:ext>
+              </a:extLst>
+            </p:cNvPr>
+            <p:cNvSpPr/>
+            <p:nvPr/>
+          </p:nvSpPr>
+          <p:spPr>
+            <a:xfrm>
+              <a:off x="4718962" y="428671"/>
+              <a:ext cx="359228" cy="5852459"/>
+            </a:xfrm>
+            <a:prstGeom prst="roundRect">
+              <a:avLst>
+                <a:gd name="adj" fmla="val 50000"/>
+              </a:avLst>
+            </a:prstGeom>
+            <a:grpFill/>
+            <a:ln>
+              <a:noFill/>
+            </a:ln>
+          </p:spPr>
+          <p:style>
+            <a:lnRef idx="2">
+              <a:schemeClr val="accent1">
+                <a:shade val="50000"/>
+              </a:schemeClr>
+            </a:lnRef>
+            <a:fillRef idx="1">
+              <a:schemeClr val="accent1"/>
+            </a:fillRef>
+            <a:effectRef idx="0">
+              <a:schemeClr val="accent1"/>
+            </a:effectRef>
+            <a:fontRef idx="minor">
+              <a:schemeClr val="lt1"/>
+            </a:fontRef>
+          </p:style>
+          <p:txBody>
+            <a:bodyPr rtlCol="0" anchor="ctr"/>
+            <a:lstStyle/>
+            <a:p>
+              <a:pPr algn="ctr"/>
+              <a:endParaRPr kumimoji="1" lang="zh-CN" altLang="en-US"/>
+            </a:p>
+          </p:txBody>
+        </p:sp>
+        <p:sp>
+          <p:nvSpPr>
+            <p:cNvPr id="35" name="圆角矩形 34">
+              <a:extLst>
+                <a:ext uri="{FF2B5EF4-FFF2-40B4-BE49-F238E27FC236}">
+                  <a16:creationId xmlns:a16="http://schemas.microsoft.com/office/drawing/2014/main" id="{85790FCC-CD56-7A4F-9221-1FC85AAD6241}"/>
+                </a:ext>
+              </a:extLst>
+            </p:cNvPr>
+            <p:cNvSpPr/>
+            <p:nvPr/>
+          </p:nvSpPr>
+          <p:spPr>
+            <a:xfrm>
+              <a:off x="5159831" y="102101"/>
+              <a:ext cx="359228" cy="5852459"/>
+            </a:xfrm>
+            <a:prstGeom prst="roundRect">
+              <a:avLst>
+                <a:gd name="adj" fmla="val 50000"/>
+              </a:avLst>
+            </a:prstGeom>
+            <a:grpFill/>
+            <a:ln>
+              <a:noFill/>
+            </a:ln>
+          </p:spPr>
+          <p:style>
+            <a:lnRef idx="2">
+              <a:schemeClr val="accent1">
+                <a:shade val="50000"/>
+              </a:schemeClr>
+            </a:lnRef>
+            <a:fillRef idx="1">
+              <a:schemeClr val="accent1"/>
+            </a:fillRef>
+            <a:effectRef idx="0">
+              <a:schemeClr val="accent1"/>
+            </a:effectRef>
+            <a:fontRef idx="minor">
+              <a:schemeClr val="lt1"/>
+            </a:fontRef>
+          </p:style>
+          <p:txBody>
+            <a:bodyPr rtlCol="0" anchor="ctr"/>
+            <a:lstStyle/>
+            <a:p>
+              <a:pPr algn="ctr"/>
+              <a:endParaRPr kumimoji="1" lang="zh-CN" altLang="en-US"/>
+            </a:p>
+          </p:txBody>
+        </p:sp>
+      </p:grpSp>
+    </p:spTree>
+    <p:extLst>
+      <p:ext uri="{BB962C8B-B14F-4D97-AF65-F5344CB8AC3E}">
+        <p14:creationId xmlns:p14="http://schemas.microsoft.com/office/powerpoint/2010/main" val="901131926"/>
       </p:ext>
     </p:extLst>
   </p:cSld>

--- a/templates/awesome-ppt-template.pptx
+++ b/templates/awesome-ppt-template.pptx
@@ -4,11 +4,17 @@
   <p:sldMasterIdLst>
     <p:sldMasterId id="2147483648" r:id="rId1"/>
   </p:sldMasterIdLst>
+  <p:notesMasterIdLst>
+    <p:notesMasterId r:id="rId9"/>
+  </p:notesMasterIdLst>
   <p:sldIdLst>
     <p:sldId id="259" r:id="rId2"/>
-    <p:sldId id="256" r:id="rId3"/>
-    <p:sldId id="257" r:id="rId4"/>
-    <p:sldId id="258" r:id="rId5"/>
+    <p:sldId id="260" r:id="rId3"/>
+    <p:sldId id="256" r:id="rId4"/>
+    <p:sldId id="257" r:id="rId5"/>
+    <p:sldId id="258" r:id="rId6"/>
+    <p:sldId id="261" r:id="rId7"/>
+    <p:sldId id="262" r:id="rId8"/>
   </p:sldIdLst>
   <p:sldSz cx="12192000" cy="6858000"/>
   <p:notesSz cx="6858000" cy="9144000"/>
@@ -115,6 +121,523 @@
 </p:presentation>
 </file>
 
+<file path=ppt/notesMasters/notesMaster1.xml><?xml version="1.0" encoding="utf-8"?>
+<p:notesMaster xmlns:a="http://schemas.openxmlformats.org/drawingml/2006/main" xmlns:r="http://schemas.openxmlformats.org/officeDocument/2006/relationships" xmlns:p="http://schemas.openxmlformats.org/presentationml/2006/main">
+  <p:cSld>
+    <p:bg>
+      <p:bgRef idx="1001">
+        <a:schemeClr val="bg1"/>
+      </p:bgRef>
+    </p:bg>
+    <p:spTree>
+      <p:nvGrpSpPr>
+        <p:cNvPr id="1" name=""/>
+        <p:cNvGrpSpPr/>
+        <p:nvPr/>
+      </p:nvGrpSpPr>
+      <p:grpSpPr>
+        <a:xfrm>
+          <a:off x="0" y="0"/>
+          <a:ext cx="0" cy="0"/>
+          <a:chOff x="0" y="0"/>
+          <a:chExt cx="0" cy="0"/>
+        </a:xfrm>
+      </p:grpSpPr>
+      <p:sp>
+        <p:nvSpPr>
+          <p:cNvPr id="2" name="页眉占位符 1"/>
+          <p:cNvSpPr>
+            <a:spLocks noGrp="1"/>
+          </p:cNvSpPr>
+          <p:nvPr>
+            <p:ph type="hdr" sz="quarter"/>
+          </p:nvPr>
+        </p:nvSpPr>
+        <p:spPr>
+          <a:xfrm>
+            <a:off x="0" y="0"/>
+            <a:ext cx="2971800" cy="458788"/>
+          </a:xfrm>
+          <a:prstGeom prst="rect">
+            <a:avLst/>
+          </a:prstGeom>
+        </p:spPr>
+        <p:txBody>
+          <a:bodyPr vert="horz" lIns="91440" tIns="45720" rIns="91440" bIns="45720" rtlCol="0"/>
+          <a:lstStyle>
+            <a:lvl1pPr algn="l">
+              <a:defRPr sz="1200"/>
+            </a:lvl1pPr>
+          </a:lstStyle>
+          <a:p>
+            <a:endParaRPr kumimoji="1" lang="zh-CN" altLang="en-US"/>
+          </a:p>
+        </p:txBody>
+      </p:sp>
+      <p:sp>
+        <p:nvSpPr>
+          <p:cNvPr id="3" name="日期占位符 2"/>
+          <p:cNvSpPr>
+            <a:spLocks noGrp="1"/>
+          </p:cNvSpPr>
+          <p:nvPr>
+            <p:ph type="dt" idx="1"/>
+          </p:nvPr>
+        </p:nvSpPr>
+        <p:spPr>
+          <a:xfrm>
+            <a:off x="3884613" y="0"/>
+            <a:ext cx="2971800" cy="458788"/>
+          </a:xfrm>
+          <a:prstGeom prst="rect">
+            <a:avLst/>
+          </a:prstGeom>
+        </p:spPr>
+        <p:txBody>
+          <a:bodyPr vert="horz" lIns="91440" tIns="45720" rIns="91440" bIns="45720" rtlCol="0"/>
+          <a:lstStyle>
+            <a:lvl1pPr algn="r">
+              <a:defRPr sz="1200"/>
+            </a:lvl1pPr>
+          </a:lstStyle>
+          <a:p>
+            <a:fld id="{3FC75B4B-2401-4248-926C-6116DE2F9DA2}" type="datetimeFigureOut">
+              <a:rPr kumimoji="1" lang="zh-CN" altLang="en-US" smtClean="0"/>
+              <a:t>2020/8/2</a:t>
+            </a:fld>
+            <a:endParaRPr kumimoji="1" lang="zh-CN" altLang="en-US"/>
+          </a:p>
+        </p:txBody>
+      </p:sp>
+      <p:sp>
+        <p:nvSpPr>
+          <p:cNvPr id="4" name="幻灯片图像占位符 3"/>
+          <p:cNvSpPr>
+            <a:spLocks noGrp="1" noRot="1" noChangeAspect="1"/>
+          </p:cNvSpPr>
+          <p:nvPr>
+            <p:ph type="sldImg" idx="2"/>
+          </p:nvPr>
+        </p:nvSpPr>
+        <p:spPr>
+          <a:xfrm>
+            <a:off x="685800" y="1143000"/>
+            <a:ext cx="5486400" cy="3086100"/>
+          </a:xfrm>
+          <a:prstGeom prst="rect">
+            <a:avLst/>
+          </a:prstGeom>
+          <a:noFill/>
+          <a:ln w="12700">
+            <a:solidFill>
+              <a:prstClr val="black"/>
+            </a:solidFill>
+          </a:ln>
+        </p:spPr>
+        <p:txBody>
+          <a:bodyPr vert="horz" lIns="91440" tIns="45720" rIns="91440" bIns="45720" rtlCol="0" anchor="ctr"/>
+          <a:lstStyle/>
+          <a:p>
+            <a:endParaRPr lang="zh-CN" altLang="en-US"/>
+          </a:p>
+        </p:txBody>
+      </p:sp>
+      <p:sp>
+        <p:nvSpPr>
+          <p:cNvPr id="5" name="备注占位符 4"/>
+          <p:cNvSpPr>
+            <a:spLocks noGrp="1"/>
+          </p:cNvSpPr>
+          <p:nvPr>
+            <p:ph type="body" sz="quarter" idx="3"/>
+          </p:nvPr>
+        </p:nvSpPr>
+        <p:spPr>
+          <a:xfrm>
+            <a:off x="685800" y="4400550"/>
+            <a:ext cx="5486400" cy="3600450"/>
+          </a:xfrm>
+          <a:prstGeom prst="rect">
+            <a:avLst/>
+          </a:prstGeom>
+        </p:spPr>
+        <p:txBody>
+          <a:bodyPr vert="horz" lIns="91440" tIns="45720" rIns="91440" bIns="45720" rtlCol="0"/>
+          <a:lstStyle/>
+          <a:p>
+            <a:pPr lvl="0"/>
+            <a:r>
+              <a:rPr kumimoji="1" lang="zh-CN" altLang="en-US"/>
+              <a:t>编辑母版文本样式</a:t>
+            </a:r>
+          </a:p>
+          <a:p>
+            <a:pPr lvl="1"/>
+            <a:r>
+              <a:rPr kumimoji="1" lang="zh-CN" altLang="en-US"/>
+              <a:t>第二级</a:t>
+            </a:r>
+          </a:p>
+          <a:p>
+            <a:pPr lvl="2"/>
+            <a:r>
+              <a:rPr kumimoji="1" lang="zh-CN" altLang="en-US"/>
+              <a:t>第三级</a:t>
+            </a:r>
+          </a:p>
+          <a:p>
+            <a:pPr lvl="3"/>
+            <a:r>
+              <a:rPr kumimoji="1" lang="zh-CN" altLang="en-US"/>
+              <a:t>第四级</a:t>
+            </a:r>
+          </a:p>
+          <a:p>
+            <a:pPr lvl="4"/>
+            <a:r>
+              <a:rPr kumimoji="1" lang="zh-CN" altLang="en-US"/>
+              <a:t>第五级</a:t>
+            </a:r>
+          </a:p>
+        </p:txBody>
+      </p:sp>
+      <p:sp>
+        <p:nvSpPr>
+          <p:cNvPr id="6" name="页脚占位符 5"/>
+          <p:cNvSpPr>
+            <a:spLocks noGrp="1"/>
+          </p:cNvSpPr>
+          <p:nvPr>
+            <p:ph type="ftr" sz="quarter" idx="4"/>
+          </p:nvPr>
+        </p:nvSpPr>
+        <p:spPr>
+          <a:xfrm>
+            <a:off x="0" y="8685213"/>
+            <a:ext cx="2971800" cy="458787"/>
+          </a:xfrm>
+          <a:prstGeom prst="rect">
+            <a:avLst/>
+          </a:prstGeom>
+        </p:spPr>
+        <p:txBody>
+          <a:bodyPr vert="horz" lIns="91440" tIns="45720" rIns="91440" bIns="45720" rtlCol="0" anchor="b"/>
+          <a:lstStyle>
+            <a:lvl1pPr algn="l">
+              <a:defRPr sz="1200"/>
+            </a:lvl1pPr>
+          </a:lstStyle>
+          <a:p>
+            <a:endParaRPr kumimoji="1" lang="zh-CN" altLang="en-US"/>
+          </a:p>
+        </p:txBody>
+      </p:sp>
+      <p:sp>
+        <p:nvSpPr>
+          <p:cNvPr id="7" name="幻灯片编号占位符 6"/>
+          <p:cNvSpPr>
+            <a:spLocks noGrp="1"/>
+          </p:cNvSpPr>
+          <p:nvPr>
+            <p:ph type="sldNum" sz="quarter" idx="5"/>
+          </p:nvPr>
+        </p:nvSpPr>
+        <p:spPr>
+          <a:xfrm>
+            <a:off x="3884613" y="8685213"/>
+            <a:ext cx="2971800" cy="458787"/>
+          </a:xfrm>
+          <a:prstGeom prst="rect">
+            <a:avLst/>
+          </a:prstGeom>
+        </p:spPr>
+        <p:txBody>
+          <a:bodyPr vert="horz" lIns="91440" tIns="45720" rIns="91440" bIns="45720" rtlCol="0" anchor="b"/>
+          <a:lstStyle>
+            <a:lvl1pPr algn="r">
+              <a:defRPr sz="1200"/>
+            </a:lvl1pPr>
+          </a:lstStyle>
+          <a:p>
+            <a:fld id="{6623FC44-B8F8-9C40-9EF4-33463E0F3269}" type="slidenum">
+              <a:rPr kumimoji="1" lang="zh-CN" altLang="en-US" smtClean="0"/>
+              <a:t>‹#›</a:t>
+            </a:fld>
+            <a:endParaRPr kumimoji="1" lang="zh-CN" altLang="en-US"/>
+          </a:p>
+        </p:txBody>
+      </p:sp>
+    </p:spTree>
+    <p:extLst>
+      <p:ext uri="{BB962C8B-B14F-4D97-AF65-F5344CB8AC3E}">
+        <p14:creationId xmlns:p14="http://schemas.microsoft.com/office/powerpoint/2010/main" val="2542726922"/>
+      </p:ext>
+    </p:extLst>
+  </p:cSld>
+  <p:clrMap bg1="lt1" tx1="dk1" bg2="lt2" tx2="dk2" accent1="accent1" accent2="accent2" accent3="accent3" accent4="accent4" accent5="accent5" accent6="accent6" hlink="hlink" folHlink="folHlink"/>
+  <p:notesStyle>
+    <a:lvl1pPr marL="0" algn="l" defTabSz="914400" rtl="0" eaLnBrk="1" latinLnBrk="0" hangingPunct="1">
+      <a:defRPr sz="1200" kern="1200">
+        <a:solidFill>
+          <a:schemeClr val="tx1"/>
+        </a:solidFill>
+        <a:latin typeface="+mn-lt"/>
+        <a:ea typeface="+mn-ea"/>
+        <a:cs typeface="+mn-cs"/>
+      </a:defRPr>
+    </a:lvl1pPr>
+    <a:lvl2pPr marL="457200" algn="l" defTabSz="914400" rtl="0" eaLnBrk="1" latinLnBrk="0" hangingPunct="1">
+      <a:defRPr sz="1200" kern="1200">
+        <a:solidFill>
+          <a:schemeClr val="tx1"/>
+        </a:solidFill>
+        <a:latin typeface="+mn-lt"/>
+        <a:ea typeface="+mn-ea"/>
+        <a:cs typeface="+mn-cs"/>
+      </a:defRPr>
+    </a:lvl2pPr>
+    <a:lvl3pPr marL="914400" algn="l" defTabSz="914400" rtl="0" eaLnBrk="1" latinLnBrk="0" hangingPunct="1">
+      <a:defRPr sz="1200" kern="1200">
+        <a:solidFill>
+          <a:schemeClr val="tx1"/>
+        </a:solidFill>
+        <a:latin typeface="+mn-lt"/>
+        <a:ea typeface="+mn-ea"/>
+        <a:cs typeface="+mn-cs"/>
+      </a:defRPr>
+    </a:lvl3pPr>
+    <a:lvl4pPr marL="1371600" algn="l" defTabSz="914400" rtl="0" eaLnBrk="1" latinLnBrk="0" hangingPunct="1">
+      <a:defRPr sz="1200" kern="1200">
+        <a:solidFill>
+          <a:schemeClr val="tx1"/>
+        </a:solidFill>
+        <a:latin typeface="+mn-lt"/>
+        <a:ea typeface="+mn-ea"/>
+        <a:cs typeface="+mn-cs"/>
+      </a:defRPr>
+    </a:lvl4pPr>
+    <a:lvl5pPr marL="1828800" algn="l" defTabSz="914400" rtl="0" eaLnBrk="1" latinLnBrk="0" hangingPunct="1">
+      <a:defRPr sz="1200" kern="1200">
+        <a:solidFill>
+          <a:schemeClr val="tx1"/>
+        </a:solidFill>
+        <a:latin typeface="+mn-lt"/>
+        <a:ea typeface="+mn-ea"/>
+        <a:cs typeface="+mn-cs"/>
+      </a:defRPr>
+    </a:lvl5pPr>
+    <a:lvl6pPr marL="2286000" algn="l" defTabSz="914400" rtl="0" eaLnBrk="1" latinLnBrk="0" hangingPunct="1">
+      <a:defRPr sz="1200" kern="1200">
+        <a:solidFill>
+          <a:schemeClr val="tx1"/>
+        </a:solidFill>
+        <a:latin typeface="+mn-lt"/>
+        <a:ea typeface="+mn-ea"/>
+        <a:cs typeface="+mn-cs"/>
+      </a:defRPr>
+    </a:lvl6pPr>
+    <a:lvl7pPr marL="2743200" algn="l" defTabSz="914400" rtl="0" eaLnBrk="1" latinLnBrk="0" hangingPunct="1">
+      <a:defRPr sz="1200" kern="1200">
+        <a:solidFill>
+          <a:schemeClr val="tx1"/>
+        </a:solidFill>
+        <a:latin typeface="+mn-lt"/>
+        <a:ea typeface="+mn-ea"/>
+        <a:cs typeface="+mn-cs"/>
+      </a:defRPr>
+    </a:lvl7pPr>
+    <a:lvl8pPr marL="3200400" algn="l" defTabSz="914400" rtl="0" eaLnBrk="1" latinLnBrk="0" hangingPunct="1">
+      <a:defRPr sz="1200" kern="1200">
+        <a:solidFill>
+          <a:schemeClr val="tx1"/>
+        </a:solidFill>
+        <a:latin typeface="+mn-lt"/>
+        <a:ea typeface="+mn-ea"/>
+        <a:cs typeface="+mn-cs"/>
+      </a:defRPr>
+    </a:lvl8pPr>
+    <a:lvl9pPr marL="3657600" algn="l" defTabSz="914400" rtl="0" eaLnBrk="1" latinLnBrk="0" hangingPunct="1">
+      <a:defRPr sz="1200" kern="1200">
+        <a:solidFill>
+          <a:schemeClr val="tx1"/>
+        </a:solidFill>
+        <a:latin typeface="+mn-lt"/>
+        <a:ea typeface="+mn-ea"/>
+        <a:cs typeface="+mn-cs"/>
+      </a:defRPr>
+    </a:lvl9pPr>
+  </p:notesStyle>
+</p:notesMaster>
+</file>
+
+<file path=ppt/notesSlides/notesSlide1.xml><?xml version="1.0" encoding="utf-8"?>
+<p:notes xmlns:a="http://schemas.openxmlformats.org/drawingml/2006/main" xmlns:r="http://schemas.openxmlformats.org/officeDocument/2006/relationships" xmlns:p="http://schemas.openxmlformats.org/presentationml/2006/main">
+  <p:cSld>
+    <p:spTree>
+      <p:nvGrpSpPr>
+        <p:cNvPr id="1" name=""/>
+        <p:cNvGrpSpPr/>
+        <p:nvPr/>
+      </p:nvGrpSpPr>
+      <p:grpSpPr>
+        <a:xfrm>
+          <a:off x="0" y="0"/>
+          <a:ext cx="0" cy="0"/>
+          <a:chOff x="0" y="0"/>
+          <a:chExt cx="0" cy="0"/>
+        </a:xfrm>
+      </p:grpSpPr>
+      <p:sp>
+        <p:nvSpPr>
+          <p:cNvPr id="2" name="幻灯片图像占位符 1"/>
+          <p:cNvSpPr>
+            <a:spLocks noGrp="1" noRot="1" noChangeAspect="1"/>
+          </p:cNvSpPr>
+          <p:nvPr>
+            <p:ph type="sldImg"/>
+          </p:nvPr>
+        </p:nvSpPr>
+        <p:spPr/>
+      </p:sp>
+      <p:sp>
+        <p:nvSpPr>
+          <p:cNvPr id="3" name="备注占位符 2"/>
+          <p:cNvSpPr>
+            <a:spLocks noGrp="1"/>
+          </p:cNvSpPr>
+          <p:nvPr>
+            <p:ph type="body" idx="1"/>
+          </p:nvPr>
+        </p:nvSpPr>
+        <p:spPr/>
+        <p:txBody>
+          <a:bodyPr/>
+          <a:lstStyle/>
+          <a:p>
+            <a:endParaRPr kumimoji="1" lang="zh-CN" altLang="en-US" dirty="0"/>
+          </a:p>
+        </p:txBody>
+      </p:sp>
+      <p:sp>
+        <p:nvSpPr>
+          <p:cNvPr id="4" name="幻灯片编号占位符 3"/>
+          <p:cNvSpPr>
+            <a:spLocks noGrp="1"/>
+          </p:cNvSpPr>
+          <p:nvPr>
+            <p:ph type="sldNum" sz="quarter" idx="10"/>
+          </p:nvPr>
+        </p:nvSpPr>
+        <p:spPr/>
+        <p:txBody>
+          <a:bodyPr/>
+          <a:lstStyle/>
+          <a:p>
+            <a:fld id="{6623FC44-B8F8-9C40-9EF4-33463E0F3269}" type="slidenum">
+              <a:rPr kumimoji="1" lang="zh-CN" altLang="en-US" smtClean="0"/>
+              <a:t>6</a:t>
+            </a:fld>
+            <a:endParaRPr kumimoji="1" lang="zh-CN" altLang="en-US"/>
+          </a:p>
+        </p:txBody>
+      </p:sp>
+    </p:spTree>
+    <p:extLst>
+      <p:ext uri="{BB962C8B-B14F-4D97-AF65-F5344CB8AC3E}">
+        <p14:creationId xmlns:p14="http://schemas.microsoft.com/office/powerpoint/2010/main" val="1381138708"/>
+      </p:ext>
+    </p:extLst>
+  </p:cSld>
+  <p:clrMapOvr>
+    <a:masterClrMapping/>
+  </p:clrMapOvr>
+</p:notes>
+</file>
+
+<file path=ppt/notesSlides/notesSlide2.xml><?xml version="1.0" encoding="utf-8"?>
+<p:notes xmlns:a="http://schemas.openxmlformats.org/drawingml/2006/main" xmlns:r="http://schemas.openxmlformats.org/officeDocument/2006/relationships" xmlns:p="http://schemas.openxmlformats.org/presentationml/2006/main">
+  <p:cSld>
+    <p:spTree>
+      <p:nvGrpSpPr>
+        <p:cNvPr id="1" name=""/>
+        <p:cNvGrpSpPr/>
+        <p:nvPr/>
+      </p:nvGrpSpPr>
+      <p:grpSpPr>
+        <a:xfrm>
+          <a:off x="0" y="0"/>
+          <a:ext cx="0" cy="0"/>
+          <a:chOff x="0" y="0"/>
+          <a:chExt cx="0" cy="0"/>
+        </a:xfrm>
+      </p:grpSpPr>
+      <p:sp>
+        <p:nvSpPr>
+          <p:cNvPr id="2" name="幻灯片图像占位符 1"/>
+          <p:cNvSpPr>
+            <a:spLocks noGrp="1" noRot="1" noChangeAspect="1"/>
+          </p:cNvSpPr>
+          <p:nvPr>
+            <p:ph type="sldImg"/>
+          </p:nvPr>
+        </p:nvSpPr>
+        <p:spPr/>
+      </p:sp>
+      <p:sp>
+        <p:nvSpPr>
+          <p:cNvPr id="3" name="备注占位符 2"/>
+          <p:cNvSpPr>
+            <a:spLocks noGrp="1"/>
+          </p:cNvSpPr>
+          <p:nvPr>
+            <p:ph type="body" idx="1"/>
+          </p:nvPr>
+        </p:nvSpPr>
+        <p:spPr/>
+        <p:txBody>
+          <a:bodyPr/>
+          <a:lstStyle/>
+          <a:p>
+            <a:endParaRPr kumimoji="1" lang="zh-CN" altLang="en-US" dirty="0"/>
+          </a:p>
+        </p:txBody>
+      </p:sp>
+      <p:sp>
+        <p:nvSpPr>
+          <p:cNvPr id="4" name="幻灯片编号占位符 3"/>
+          <p:cNvSpPr>
+            <a:spLocks noGrp="1"/>
+          </p:cNvSpPr>
+          <p:nvPr>
+            <p:ph type="sldNum" sz="quarter" idx="10"/>
+          </p:nvPr>
+        </p:nvSpPr>
+        <p:spPr/>
+        <p:txBody>
+          <a:bodyPr/>
+          <a:lstStyle/>
+          <a:p>
+            <a:fld id="{6623FC44-B8F8-9C40-9EF4-33463E0F3269}" type="slidenum">
+              <a:rPr kumimoji="1" lang="zh-CN" altLang="en-US" smtClean="0"/>
+              <a:t>7</a:t>
+            </a:fld>
+            <a:endParaRPr kumimoji="1" lang="zh-CN" altLang="en-US"/>
+          </a:p>
+        </p:txBody>
+      </p:sp>
+    </p:spTree>
+    <p:extLst>
+      <p:ext uri="{BB962C8B-B14F-4D97-AF65-F5344CB8AC3E}">
+        <p14:creationId xmlns:p14="http://schemas.microsoft.com/office/powerpoint/2010/main" val="113430646"/>
+      </p:ext>
+    </p:extLst>
+  </p:cSld>
+  <p:clrMapOvr>
+    <a:masterClrMapping/>
+  </p:clrMapOvr>
+</p:notes>
+</file>
+
 <file path=ppt/slideLayouts/slideLayout1.xml><?xml version="1.0" encoding="utf-8"?>
 <p:sldLayout xmlns:a="http://schemas.openxmlformats.org/drawingml/2006/main" xmlns:r="http://schemas.openxmlformats.org/officeDocument/2006/relationships" xmlns:p="http://schemas.openxmlformats.org/presentationml/2006/main" type="title" preserve="1">
   <p:cSld name="标题幻灯片">
@@ -262,7 +785,7 @@
           <a:p>
             <a:fld id="{CDAC068F-CDE1-E847-B1C8-27B51940B7E7}" type="datetimeFigureOut">
               <a:rPr kumimoji="1" lang="zh-CN" altLang="en-US" smtClean="0"/>
-              <a:t>2020/7/21</a:t>
+              <a:t>2020/8/2</a:t>
             </a:fld>
             <a:endParaRPr kumimoji="1" lang="zh-CN" altLang="en-US"/>
           </a:p>
@@ -460,7 +983,7 @@
           <a:p>
             <a:fld id="{CDAC068F-CDE1-E847-B1C8-27B51940B7E7}" type="datetimeFigureOut">
               <a:rPr kumimoji="1" lang="zh-CN" altLang="en-US" smtClean="0"/>
-              <a:t>2020/7/21</a:t>
+              <a:t>2020/8/2</a:t>
             </a:fld>
             <a:endParaRPr kumimoji="1" lang="zh-CN" altLang="en-US"/>
           </a:p>
@@ -668,7 +1191,7 @@
           <a:p>
             <a:fld id="{CDAC068F-CDE1-E847-B1C8-27B51940B7E7}" type="datetimeFigureOut">
               <a:rPr kumimoji="1" lang="zh-CN" altLang="en-US" smtClean="0"/>
-              <a:t>2020/7/21</a:t>
+              <a:t>2020/8/2</a:t>
             </a:fld>
             <a:endParaRPr kumimoji="1" lang="zh-CN" altLang="en-US"/>
           </a:p>
@@ -866,7 +1389,7 @@
           <a:p>
             <a:fld id="{CDAC068F-CDE1-E847-B1C8-27B51940B7E7}" type="datetimeFigureOut">
               <a:rPr kumimoji="1" lang="zh-CN" altLang="en-US" smtClean="0"/>
-              <a:t>2020/7/21</a:t>
+              <a:t>2020/8/2</a:t>
             </a:fld>
             <a:endParaRPr kumimoji="1" lang="zh-CN" altLang="en-US"/>
           </a:p>
@@ -1141,7 +1664,7 @@
           <a:p>
             <a:fld id="{CDAC068F-CDE1-E847-B1C8-27B51940B7E7}" type="datetimeFigureOut">
               <a:rPr kumimoji="1" lang="zh-CN" altLang="en-US" smtClean="0"/>
-              <a:t>2020/7/21</a:t>
+              <a:t>2020/8/2</a:t>
             </a:fld>
             <a:endParaRPr kumimoji="1" lang="zh-CN" altLang="en-US"/>
           </a:p>
@@ -1406,7 +1929,7 @@
           <a:p>
             <a:fld id="{CDAC068F-CDE1-E847-B1C8-27B51940B7E7}" type="datetimeFigureOut">
               <a:rPr kumimoji="1" lang="zh-CN" altLang="en-US" smtClean="0"/>
-              <a:t>2020/7/21</a:t>
+              <a:t>2020/8/2</a:t>
             </a:fld>
             <a:endParaRPr kumimoji="1" lang="zh-CN" altLang="en-US"/>
           </a:p>
@@ -1818,7 +2341,7 @@
           <a:p>
             <a:fld id="{CDAC068F-CDE1-E847-B1C8-27B51940B7E7}" type="datetimeFigureOut">
               <a:rPr kumimoji="1" lang="zh-CN" altLang="en-US" smtClean="0"/>
-              <a:t>2020/7/21</a:t>
+              <a:t>2020/8/2</a:t>
             </a:fld>
             <a:endParaRPr kumimoji="1" lang="zh-CN" altLang="en-US"/>
           </a:p>
@@ -1959,7 +2482,7 @@
           <a:p>
             <a:fld id="{CDAC068F-CDE1-E847-B1C8-27B51940B7E7}" type="datetimeFigureOut">
               <a:rPr kumimoji="1" lang="zh-CN" altLang="en-US" smtClean="0"/>
-              <a:t>2020/7/21</a:t>
+              <a:t>2020/8/2</a:t>
             </a:fld>
             <a:endParaRPr kumimoji="1" lang="zh-CN" altLang="en-US"/>
           </a:p>
@@ -2072,7 +2595,7 @@
           <a:p>
             <a:fld id="{CDAC068F-CDE1-E847-B1C8-27B51940B7E7}" type="datetimeFigureOut">
               <a:rPr kumimoji="1" lang="zh-CN" altLang="en-US" smtClean="0"/>
-              <a:t>2020/7/21</a:t>
+              <a:t>2020/8/2</a:t>
             </a:fld>
             <a:endParaRPr kumimoji="1" lang="zh-CN" altLang="en-US"/>
           </a:p>
@@ -2383,7 +2906,7 @@
           <a:p>
             <a:fld id="{CDAC068F-CDE1-E847-B1C8-27B51940B7E7}" type="datetimeFigureOut">
               <a:rPr kumimoji="1" lang="zh-CN" altLang="en-US" smtClean="0"/>
-              <a:t>2020/7/21</a:t>
+              <a:t>2020/8/2</a:t>
             </a:fld>
             <a:endParaRPr kumimoji="1" lang="zh-CN" altLang="en-US"/>
           </a:p>
@@ -2671,7 +3194,7 @@
           <a:p>
             <a:fld id="{CDAC068F-CDE1-E847-B1C8-27B51940B7E7}" type="datetimeFigureOut">
               <a:rPr kumimoji="1" lang="zh-CN" altLang="en-US" smtClean="0"/>
-              <a:t>2020/7/21</a:t>
+              <a:t>2020/8/2</a:t>
             </a:fld>
             <a:endParaRPr kumimoji="1" lang="zh-CN" altLang="en-US"/>
           </a:p>
@@ -2912,7 +3435,7 @@
           <a:p>
             <a:fld id="{CDAC068F-CDE1-E847-B1C8-27B51940B7E7}" type="datetimeFigureOut">
               <a:rPr kumimoji="1" lang="zh-CN" altLang="en-US" smtClean="0"/>
-              <a:t>2020/7/21</a:t>
+              <a:t>2020/8/2</a:t>
             </a:fld>
             <a:endParaRPr kumimoji="1" lang="zh-CN" altLang="en-US"/>
           </a:p>
@@ -3477,6 +4000,158 @@
 <file path=ppt/slides/slide2.xml><?xml version="1.0" encoding="utf-8"?>
 <p:sld xmlns:a="http://schemas.openxmlformats.org/drawingml/2006/main" xmlns:r="http://schemas.openxmlformats.org/officeDocument/2006/relationships" xmlns:p="http://schemas.openxmlformats.org/presentationml/2006/main">
   <p:cSld>
+    <p:bg>
+      <p:bgPr>
+        <a:pattFill prst="pct5">
+          <a:fgClr>
+            <a:schemeClr val="accent1">
+              <a:lumMod val="20000"/>
+              <a:lumOff val="80000"/>
+            </a:schemeClr>
+          </a:fgClr>
+          <a:bgClr>
+            <a:schemeClr val="bg1"/>
+          </a:bgClr>
+        </a:pattFill>
+        <a:effectLst/>
+      </p:bgPr>
+    </p:bg>
+    <p:spTree>
+      <p:nvGrpSpPr>
+        <p:cNvPr id="1" name=""/>
+        <p:cNvGrpSpPr/>
+        <p:nvPr/>
+      </p:nvGrpSpPr>
+      <p:grpSpPr>
+        <a:xfrm>
+          <a:off x="0" y="0"/>
+          <a:ext cx="0" cy="0"/>
+          <a:chOff x="0" y="0"/>
+          <a:chExt cx="0" cy="0"/>
+        </a:xfrm>
+      </p:grpSpPr>
+      <p:pic>
+        <p:nvPicPr>
+          <p:cNvPr id="5" name="图片 4">
+            <a:extLst>
+              <a:ext uri="{FF2B5EF4-FFF2-40B4-BE49-F238E27FC236}">
+                <a16:creationId xmlns:a16="http://schemas.microsoft.com/office/drawing/2014/main" id="{48BAFED4-3065-8F47-B5E1-385841E35B68}"/>
+              </a:ext>
+            </a:extLst>
+          </p:cNvPr>
+          <p:cNvPicPr>
+            <a:picLocks noChangeAspect="1"/>
+          </p:cNvPicPr>
+          <p:nvPr/>
+        </p:nvPicPr>
+        <p:blipFill>
+          <a:blip r:embed="rId2"/>
+          <a:stretch>
+            <a:fillRect/>
+          </a:stretch>
+        </p:blipFill>
+        <p:spPr>
+          <a:xfrm>
+            <a:off x="7004824" y="240216"/>
+            <a:ext cx="4503234" cy="4503234"/>
+          </a:xfrm>
+          <a:prstGeom prst="rect">
+            <a:avLst/>
+          </a:prstGeom>
+        </p:spPr>
+      </p:pic>
+      <p:pic>
+        <p:nvPicPr>
+          <p:cNvPr id="7" name="图片 6">
+            <a:extLst>
+              <a:ext uri="{FF2B5EF4-FFF2-40B4-BE49-F238E27FC236}">
+                <a16:creationId xmlns:a16="http://schemas.microsoft.com/office/drawing/2014/main" id="{3FB3903E-411C-A840-AE09-A8B1D7131550}"/>
+              </a:ext>
+            </a:extLst>
+          </p:cNvPr>
+          <p:cNvPicPr>
+            <a:picLocks noChangeAspect="1"/>
+          </p:cNvPicPr>
+          <p:nvPr/>
+        </p:nvPicPr>
+        <p:blipFill>
+          <a:blip r:embed="rId3"/>
+          <a:stretch>
+            <a:fillRect/>
+          </a:stretch>
+        </p:blipFill>
+        <p:spPr>
+          <a:xfrm>
+            <a:off x="363808" y="2226400"/>
+            <a:ext cx="6861063" cy="4317275"/>
+          </a:xfrm>
+          <a:prstGeom prst="rect">
+            <a:avLst/>
+          </a:prstGeom>
+          <a:noFill/>
+          <a:effectLst/>
+        </p:spPr>
+      </p:pic>
+      <p:sp>
+        <p:nvSpPr>
+          <p:cNvPr id="8" name="文本框 7">
+            <a:extLst>
+              <a:ext uri="{FF2B5EF4-FFF2-40B4-BE49-F238E27FC236}">
+                <a16:creationId xmlns:a16="http://schemas.microsoft.com/office/drawing/2014/main" id="{20B366AB-668D-B240-A1D3-44907D4BBAAF}"/>
+              </a:ext>
+            </a:extLst>
+          </p:cNvPr>
+          <p:cNvSpPr txBox="1"/>
+          <p:nvPr/>
+        </p:nvSpPr>
+        <p:spPr>
+          <a:xfrm>
+            <a:off x="363808" y="240216"/>
+            <a:ext cx="4801314" cy="1015663"/>
+          </a:xfrm>
+          <a:prstGeom prst="rect">
+            <a:avLst/>
+          </a:prstGeom>
+          <a:noFill/>
+        </p:spPr>
+        <p:txBody>
+          <a:bodyPr wrap="none" rtlCol="0">
+            <a:spAutoFit/>
+          </a:bodyPr>
+          <a:lstStyle/>
+          <a:p>
+            <a:r>
+              <a:rPr kumimoji="1" lang="zh-Hans" altLang="en-US" sz="6000" dirty="0">
+                <a:solidFill>
+                  <a:srgbClr val="C44525"/>
+                </a:solidFill>
+              </a:rPr>
+              <a:t>点阵图形演示</a:t>
+            </a:r>
+            <a:endParaRPr kumimoji="1" lang="zh-CN" altLang="en-US" sz="6000" dirty="0">
+              <a:solidFill>
+                <a:srgbClr val="C44525"/>
+              </a:solidFill>
+            </a:endParaRPr>
+          </a:p>
+        </p:txBody>
+      </p:sp>
+    </p:spTree>
+    <p:extLst>
+      <p:ext uri="{BB962C8B-B14F-4D97-AF65-F5344CB8AC3E}">
+        <p14:creationId xmlns:p14="http://schemas.microsoft.com/office/powerpoint/2010/main" val="1106032720"/>
+      </p:ext>
+    </p:extLst>
+  </p:cSld>
+  <p:clrMapOvr>
+    <a:masterClrMapping/>
+  </p:clrMapOvr>
+</p:sld>
+</file>
+
+<file path=ppt/slides/slide3.xml><?xml version="1.0" encoding="utf-8"?>
+<p:sld xmlns:a="http://schemas.openxmlformats.org/drawingml/2006/main" xmlns:r="http://schemas.openxmlformats.org/officeDocument/2006/relationships" xmlns:p="http://schemas.openxmlformats.org/presentationml/2006/main">
+  <p:cSld>
     <p:spTree>
       <p:nvGrpSpPr>
         <p:cNvPr id="1" name=""/>
@@ -3535,8 +4210,8 @@
         </p:nvSpPr>
         <p:spPr>
           <a:xfrm>
-            <a:off x="10166966" y="1844700"/>
-            <a:ext cx="639580" cy="3170099"/>
+            <a:off x="10244137" y="1075259"/>
+            <a:ext cx="948171" cy="4708981"/>
           </a:xfrm>
           <a:prstGeom prst="rect">
             <a:avLst/>
@@ -3550,10 +4225,18 @@
           <a:lstStyle/>
           <a:p>
             <a:r>
-              <a:rPr kumimoji="1" lang="zh-Hans" altLang="en-US" sz="4000" dirty="0"/>
+              <a:rPr kumimoji="1" lang="zh-Hans" altLang="en-US" sz="6000" dirty="0">
+                <a:solidFill>
+                  <a:srgbClr val="C44525"/>
+                </a:solidFill>
+              </a:rPr>
               <a:t>新产品展示</a:t>
             </a:r>
-            <a:endParaRPr kumimoji="1" lang="en-US" altLang="zh-Hans" sz="4000" dirty="0"/>
+            <a:endParaRPr kumimoji="1" lang="en-US" altLang="zh-Hans" sz="6000" dirty="0">
+              <a:solidFill>
+                <a:srgbClr val="C44525"/>
+              </a:solidFill>
+            </a:endParaRPr>
           </a:p>
         </p:txBody>
       </p:sp>
@@ -3570,7 +4253,7 @@
 </p:sld>
 </file>
 
-<file path=ppt/slides/slide3.xml><?xml version="1.0" encoding="utf-8"?>
+<file path=ppt/slides/slide4.xml><?xml version="1.0" encoding="utf-8"?>
 <p:sld xmlns:a="http://schemas.openxmlformats.org/drawingml/2006/main" xmlns:r="http://schemas.openxmlformats.org/officeDocument/2006/relationships" xmlns:p="http://schemas.openxmlformats.org/presentationml/2006/main">
   <p:cSld>
     <p:spTree>
@@ -4736,7 +5419,7 @@
 </p:sld>
 </file>
 
-<file path=ppt/slides/slide4.xml><?xml version="1.0" encoding="utf-8"?>
+<file path=ppt/slides/slide5.xml><?xml version="1.0" encoding="utf-8"?>
 <p:sld xmlns:a="http://schemas.openxmlformats.org/drawingml/2006/main" xmlns:r="http://schemas.openxmlformats.org/officeDocument/2006/relationships" xmlns:p="http://schemas.openxmlformats.org/presentationml/2006/main">
   <p:cSld>
     <p:spTree>
@@ -5576,6 +6259,1383 @@
 </p:sld>
 </file>
 
+<file path=ppt/slides/slide6.xml><?xml version="1.0" encoding="utf-8"?>
+<p:sld xmlns:a="http://schemas.openxmlformats.org/drawingml/2006/main" xmlns:r="http://schemas.openxmlformats.org/officeDocument/2006/relationships" xmlns:p="http://schemas.openxmlformats.org/presentationml/2006/main">
+  <p:cSld>
+    <p:bg>
+      <p:bgPr>
+        <a:solidFill>
+          <a:srgbClr val="033B7B"/>
+        </a:solidFill>
+        <a:effectLst/>
+      </p:bgPr>
+    </p:bg>
+    <p:spTree>
+      <p:nvGrpSpPr>
+        <p:cNvPr id="1" name=""/>
+        <p:cNvGrpSpPr/>
+        <p:nvPr/>
+      </p:nvGrpSpPr>
+      <p:grpSpPr>
+        <a:xfrm>
+          <a:off x="0" y="0"/>
+          <a:ext cx="0" cy="0"/>
+          <a:chOff x="0" y="0"/>
+          <a:chExt cx="0" cy="0"/>
+        </a:xfrm>
+      </p:grpSpPr>
+      <p:pic>
+        <p:nvPicPr>
+          <p:cNvPr id="6" name="图片 5">
+            <a:extLst>
+              <a:ext uri="{FF2B5EF4-FFF2-40B4-BE49-F238E27FC236}">
+                <a16:creationId xmlns:a16="http://schemas.microsoft.com/office/drawing/2014/main" id="{34245AC5-F59B-0849-9701-B9D545E48422}"/>
+              </a:ext>
+            </a:extLst>
+          </p:cNvPr>
+          <p:cNvPicPr>
+            <a:picLocks noChangeAspect="1"/>
+          </p:cNvPicPr>
+          <p:nvPr/>
+        </p:nvPicPr>
+        <p:blipFill>
+          <a:blip r:embed="rId3"/>
+          <a:stretch>
+            <a:fillRect/>
+          </a:stretch>
+        </p:blipFill>
+        <p:spPr>
+          <a:xfrm>
+            <a:off x="-1377273" y="2126165"/>
+            <a:ext cx="6019800" cy="3390900"/>
+          </a:xfrm>
+          <a:prstGeom prst="rect">
+            <a:avLst/>
+          </a:prstGeom>
+        </p:spPr>
+      </p:pic>
+      <p:sp>
+        <p:nvSpPr>
+          <p:cNvPr id="20" name="文本框 19">
+            <a:extLst>
+              <a:ext uri="{FF2B5EF4-FFF2-40B4-BE49-F238E27FC236}">
+                <a16:creationId xmlns:a16="http://schemas.microsoft.com/office/drawing/2014/main" id="{ED935C0E-791D-6445-85A0-B209B89CA6A9}"/>
+              </a:ext>
+            </a:extLst>
+          </p:cNvPr>
+          <p:cNvSpPr txBox="1"/>
+          <p:nvPr/>
+        </p:nvSpPr>
+        <p:spPr>
+          <a:xfrm>
+            <a:off x="2706957" y="2677360"/>
+            <a:ext cx="7109639" cy="1015663"/>
+          </a:xfrm>
+          <a:prstGeom prst="rect">
+            <a:avLst/>
+          </a:prstGeom>
+          <a:noFill/>
+        </p:spPr>
+        <p:txBody>
+          <a:bodyPr wrap="none" rtlCol="0">
+            <a:spAutoFit/>
+          </a:bodyPr>
+          <a:lstStyle/>
+          <a:p>
+            <a:r>
+              <a:rPr kumimoji="1" lang="zh-Hans" altLang="en-US" sz="6000" dirty="0">
+                <a:solidFill>
+                  <a:schemeClr val="bg1"/>
+                </a:solidFill>
+              </a:rPr>
+              <a:t>科技感光线动效演示</a:t>
+            </a:r>
+            <a:endParaRPr kumimoji="1" lang="zh-CN" altLang="en-US" sz="6000" dirty="0">
+              <a:solidFill>
+                <a:schemeClr val="bg1"/>
+              </a:solidFill>
+            </a:endParaRPr>
+          </a:p>
+        </p:txBody>
+      </p:sp>
+    </p:spTree>
+    <p:extLst>
+      <p:ext uri="{BB962C8B-B14F-4D97-AF65-F5344CB8AC3E}">
+        <p14:creationId xmlns:p14="http://schemas.microsoft.com/office/powerpoint/2010/main" val="1308109922"/>
+      </p:ext>
+    </p:extLst>
+  </p:cSld>
+  <p:clrMapOvr>
+    <a:masterClrMapping/>
+  </p:clrMapOvr>
+  <p:timing>
+    <p:tnLst>
+      <p:par>
+        <p:cTn id="1" dur="indefinite" restart="never" nodeType="tmRoot">
+          <p:childTnLst>
+            <p:seq concurrent="1" nextAc="seek">
+              <p:cTn id="2" dur="indefinite" nodeType="mainSeq">
+                <p:childTnLst>
+                  <p:par>
+                    <p:cTn id="3" fill="hold">
+                      <p:stCondLst>
+                        <p:cond delay="indefinite"/>
+                        <p:cond evt="onBegin" delay="0">
+                          <p:tn val="2"/>
+                        </p:cond>
+                      </p:stCondLst>
+                      <p:childTnLst>
+                        <p:par>
+                          <p:cTn id="4" fill="hold">
+                            <p:stCondLst>
+                              <p:cond delay="0"/>
+                            </p:stCondLst>
+                            <p:childTnLst>
+                              <p:par>
+                                <p:cTn id="5" presetID="10" presetClass="entr" presetSubtype="0" fill="hold" nodeType="withEffect">
+                                  <p:stCondLst>
+                                    <p:cond delay="0"/>
+                                  </p:stCondLst>
+                                  <p:childTnLst>
+                                    <p:set>
+                                      <p:cBhvr>
+                                        <p:cTn id="6" dur="1" fill="hold">
+                                          <p:stCondLst>
+                                            <p:cond delay="0"/>
+                                          </p:stCondLst>
+                                        </p:cTn>
+                                        <p:tgtEl>
+                                          <p:spTgt spid="6"/>
+                                        </p:tgtEl>
+                                        <p:attrNameLst>
+                                          <p:attrName>style.visibility</p:attrName>
+                                        </p:attrNameLst>
+                                      </p:cBhvr>
+                                      <p:to>
+                                        <p:strVal val="visible"/>
+                                      </p:to>
+                                    </p:set>
+                                    <p:animEffect transition="in" filter="fade">
+                                      <p:cBhvr>
+                                        <p:cTn id="7" dur="500"/>
+                                        <p:tgtEl>
+                                          <p:spTgt spid="6"/>
+                                        </p:tgtEl>
+                                      </p:cBhvr>
+                                    </p:animEffect>
+                                  </p:childTnLst>
+                                </p:cTn>
+                              </p:par>
+                            </p:childTnLst>
+                          </p:cTn>
+                        </p:par>
+                        <p:par>
+                          <p:cTn id="8" fill="hold">
+                            <p:stCondLst>
+                              <p:cond delay="500"/>
+                            </p:stCondLst>
+                            <p:childTnLst>
+                              <p:par>
+                                <p:cTn id="9" presetID="0" presetClass="path" presetSubtype="0" accel="50000" decel="50000" fill="hold" nodeType="afterEffect">
+                                  <p:stCondLst>
+                                    <p:cond delay="0"/>
+                                  </p:stCondLst>
+                                  <p:childTnLst>
+                                    <p:animMotion origin="layout" path="M 4.58333E-6 -4.44444E-6 L 0.74531 -4.44444E-6 " pathEditMode="relative" rAng="0" ptsTypes="AA">
+                                      <p:cBhvr>
+                                        <p:cTn id="10" dur="1000" fill="hold"/>
+                                        <p:tgtEl>
+                                          <p:spTgt spid="6"/>
+                                        </p:tgtEl>
+                                        <p:attrNameLst>
+                                          <p:attrName>ppt_x</p:attrName>
+                                          <p:attrName>ppt_y</p:attrName>
+                                        </p:attrNameLst>
+                                      </p:cBhvr>
+                                      <p:rCtr x="37266" y="0"/>
+                                    </p:animMotion>
+                                  </p:childTnLst>
+                                </p:cTn>
+                              </p:par>
+                            </p:childTnLst>
+                          </p:cTn>
+                        </p:par>
+                        <p:par>
+                          <p:cTn id="11" fill="hold">
+                            <p:stCondLst>
+                              <p:cond delay="1500"/>
+                            </p:stCondLst>
+                            <p:childTnLst>
+                              <p:par>
+                                <p:cTn id="12" presetID="10" presetClass="exit" presetSubtype="0" fill="hold" nodeType="afterEffect">
+                                  <p:stCondLst>
+                                    <p:cond delay="0"/>
+                                  </p:stCondLst>
+                                  <p:childTnLst>
+                                    <p:animEffect transition="out" filter="fade">
+                                      <p:cBhvr>
+                                        <p:cTn id="13" dur="500"/>
+                                        <p:tgtEl>
+                                          <p:spTgt spid="6"/>
+                                        </p:tgtEl>
+                                      </p:cBhvr>
+                                    </p:animEffect>
+                                    <p:set>
+                                      <p:cBhvr>
+                                        <p:cTn id="14" dur="1" fill="hold">
+                                          <p:stCondLst>
+                                            <p:cond delay="499"/>
+                                          </p:stCondLst>
+                                        </p:cTn>
+                                        <p:tgtEl>
+                                          <p:spTgt spid="6"/>
+                                        </p:tgtEl>
+                                        <p:attrNameLst>
+                                          <p:attrName>style.visibility</p:attrName>
+                                        </p:attrNameLst>
+                                      </p:cBhvr>
+                                      <p:to>
+                                        <p:strVal val="hidden"/>
+                                      </p:to>
+                                    </p:set>
+                                  </p:childTnLst>
+                                </p:cTn>
+                              </p:par>
+                            </p:childTnLst>
+                          </p:cTn>
+                        </p:par>
+                      </p:childTnLst>
+                    </p:cTn>
+                  </p:par>
+                </p:childTnLst>
+              </p:cTn>
+              <p:prevCondLst>
+                <p:cond evt="onPrev" delay="0">
+                  <p:tgtEl>
+                    <p:sldTgt/>
+                  </p:tgtEl>
+                </p:cond>
+              </p:prevCondLst>
+              <p:nextCondLst>
+                <p:cond evt="onNext" delay="0">
+                  <p:tgtEl>
+                    <p:sldTgt/>
+                  </p:tgtEl>
+                </p:cond>
+              </p:nextCondLst>
+            </p:seq>
+          </p:childTnLst>
+        </p:cTn>
+      </p:par>
+    </p:tnLst>
+  </p:timing>
+</p:sld>
+</file>
+
+<file path=ppt/slides/slide7.xml><?xml version="1.0" encoding="utf-8"?>
+<p:sld xmlns:a="http://schemas.openxmlformats.org/drawingml/2006/main" xmlns:r="http://schemas.openxmlformats.org/officeDocument/2006/relationships" xmlns:p="http://schemas.openxmlformats.org/presentationml/2006/main">
+  <p:cSld>
+    <p:bg>
+      <p:bgPr>
+        <a:solidFill>
+          <a:srgbClr val="033B7B"/>
+        </a:solidFill>
+        <a:effectLst/>
+      </p:bgPr>
+    </p:bg>
+    <p:spTree>
+      <p:nvGrpSpPr>
+        <p:cNvPr id="1" name=""/>
+        <p:cNvGrpSpPr/>
+        <p:nvPr/>
+      </p:nvGrpSpPr>
+      <p:grpSpPr>
+        <a:xfrm>
+          <a:off x="0" y="0"/>
+          <a:ext cx="0" cy="0"/>
+          <a:chOff x="0" y="0"/>
+          <a:chExt cx="0" cy="0"/>
+        </a:xfrm>
+      </p:grpSpPr>
+      <p:grpSp>
+        <p:nvGrpSpPr>
+          <p:cNvPr id="13" name="组合 12">
+            <a:extLst>
+              <a:ext uri="{FF2B5EF4-FFF2-40B4-BE49-F238E27FC236}">
+                <a16:creationId xmlns:a16="http://schemas.microsoft.com/office/drawing/2014/main" id="{6BD90AAA-1A36-4045-8159-EA955A5E0451}"/>
+              </a:ext>
+            </a:extLst>
+          </p:cNvPr>
+          <p:cNvGrpSpPr/>
+          <p:nvPr/>
+        </p:nvGrpSpPr>
+        <p:grpSpPr>
+          <a:xfrm>
+            <a:off x="-632910" y="-1"/>
+            <a:ext cx="12424859" cy="6858000"/>
+            <a:chOff x="-939391" y="771525"/>
+            <a:chExt cx="12424859" cy="6858000"/>
+          </a:xfrm>
+        </p:grpSpPr>
+        <p:sp>
+          <p:nvSpPr>
+            <p:cNvPr id="2" name="平行四边形 1">
+              <a:extLst>
+                <a:ext uri="{FF2B5EF4-FFF2-40B4-BE49-F238E27FC236}">
+                  <a16:creationId xmlns:a16="http://schemas.microsoft.com/office/drawing/2014/main" id="{35A66482-0D93-EF4F-AC22-71AEA6EC4D62}"/>
+                </a:ext>
+              </a:extLst>
+            </p:cNvPr>
+            <p:cNvSpPr/>
+            <p:nvPr/>
+          </p:nvSpPr>
+          <p:spPr>
+            <a:xfrm>
+              <a:off x="-939391" y="771525"/>
+              <a:ext cx="3814762" cy="6858000"/>
+            </a:xfrm>
+            <a:prstGeom prst="parallelogram">
+              <a:avLst/>
+            </a:prstGeom>
+            <a:solidFill>
+              <a:srgbClr val="033B7B"/>
+            </a:solidFill>
+            <a:ln w="15875">
+              <a:gradFill>
+                <a:gsLst>
+                  <a:gs pos="0">
+                    <a:srgbClr val="033B7B"/>
+                  </a:gs>
+                  <a:gs pos="74000">
+                    <a:schemeClr val="accent1">
+                      <a:lumMod val="45000"/>
+                      <a:lumOff val="55000"/>
+                    </a:schemeClr>
+                  </a:gs>
+                  <a:gs pos="83000">
+                    <a:schemeClr val="accent1">
+                      <a:lumMod val="45000"/>
+                      <a:lumOff val="55000"/>
+                    </a:schemeClr>
+                  </a:gs>
+                  <a:gs pos="100000">
+                    <a:srgbClr val="033B7B"/>
+                  </a:gs>
+                </a:gsLst>
+                <a:lin ang="5400000" scaled="1"/>
+              </a:gradFill>
+            </a:ln>
+          </p:spPr>
+          <p:style>
+            <a:lnRef idx="2">
+              <a:schemeClr val="accent1">
+                <a:shade val="50000"/>
+              </a:schemeClr>
+            </a:lnRef>
+            <a:fillRef idx="1">
+              <a:schemeClr val="accent1"/>
+            </a:fillRef>
+            <a:effectRef idx="0">
+              <a:schemeClr val="accent1"/>
+            </a:effectRef>
+            <a:fontRef idx="minor">
+              <a:schemeClr val="lt1"/>
+            </a:fontRef>
+          </p:style>
+          <p:txBody>
+            <a:bodyPr rtlCol="0" anchor="ctr"/>
+            <a:lstStyle/>
+            <a:p>
+              <a:pPr algn="ctr"/>
+              <a:endParaRPr kumimoji="1" lang="zh-CN" altLang="en-US"/>
+            </a:p>
+          </p:txBody>
+        </p:sp>
+        <p:sp>
+          <p:nvSpPr>
+            <p:cNvPr id="8" name="平行四边形 7">
+              <a:extLst>
+                <a:ext uri="{FF2B5EF4-FFF2-40B4-BE49-F238E27FC236}">
+                  <a16:creationId xmlns:a16="http://schemas.microsoft.com/office/drawing/2014/main" id="{AA9D9D54-749B-D548-988F-A5D5C7900A1D}"/>
+                </a:ext>
+              </a:extLst>
+            </p:cNvPr>
+            <p:cNvSpPr/>
+            <p:nvPr/>
+          </p:nvSpPr>
+          <p:spPr>
+            <a:xfrm>
+              <a:off x="1922998" y="771525"/>
+              <a:ext cx="3814762" cy="6858000"/>
+            </a:xfrm>
+            <a:prstGeom prst="parallelogram">
+              <a:avLst/>
+            </a:prstGeom>
+            <a:solidFill>
+              <a:srgbClr val="033B7B"/>
+            </a:solidFill>
+            <a:ln w="15875">
+              <a:gradFill>
+                <a:gsLst>
+                  <a:gs pos="0">
+                    <a:srgbClr val="033B7B"/>
+                  </a:gs>
+                  <a:gs pos="74000">
+                    <a:schemeClr val="accent1">
+                      <a:lumMod val="45000"/>
+                      <a:lumOff val="55000"/>
+                    </a:schemeClr>
+                  </a:gs>
+                  <a:gs pos="83000">
+                    <a:schemeClr val="accent1">
+                      <a:lumMod val="45000"/>
+                      <a:lumOff val="55000"/>
+                    </a:schemeClr>
+                  </a:gs>
+                  <a:gs pos="100000">
+                    <a:srgbClr val="033B7B"/>
+                  </a:gs>
+                </a:gsLst>
+                <a:lin ang="5400000" scaled="1"/>
+              </a:gradFill>
+            </a:ln>
+          </p:spPr>
+          <p:style>
+            <a:lnRef idx="2">
+              <a:schemeClr val="accent1">
+                <a:shade val="50000"/>
+              </a:schemeClr>
+            </a:lnRef>
+            <a:fillRef idx="1">
+              <a:schemeClr val="accent1"/>
+            </a:fillRef>
+            <a:effectRef idx="0">
+              <a:schemeClr val="accent1"/>
+            </a:effectRef>
+            <a:fontRef idx="minor">
+              <a:schemeClr val="lt1"/>
+            </a:fontRef>
+          </p:style>
+          <p:txBody>
+            <a:bodyPr rtlCol="0" anchor="ctr"/>
+            <a:lstStyle/>
+            <a:p>
+              <a:pPr algn="ctr"/>
+              <a:endParaRPr kumimoji="1" lang="zh-CN" altLang="en-US"/>
+            </a:p>
+          </p:txBody>
+        </p:sp>
+        <p:sp>
+          <p:nvSpPr>
+            <p:cNvPr id="9" name="平行四边形 8">
+              <a:extLst>
+                <a:ext uri="{FF2B5EF4-FFF2-40B4-BE49-F238E27FC236}">
+                  <a16:creationId xmlns:a16="http://schemas.microsoft.com/office/drawing/2014/main" id="{8C58377D-B524-2440-8E42-7946EC56E503}"/>
+                </a:ext>
+              </a:extLst>
+            </p:cNvPr>
+            <p:cNvSpPr/>
+            <p:nvPr/>
+          </p:nvSpPr>
+          <p:spPr>
+            <a:xfrm>
+              <a:off x="4796641" y="771525"/>
+              <a:ext cx="3814762" cy="6858000"/>
+            </a:xfrm>
+            <a:prstGeom prst="parallelogram">
+              <a:avLst/>
+            </a:prstGeom>
+            <a:solidFill>
+              <a:srgbClr val="033B7B"/>
+            </a:solidFill>
+            <a:ln w="15875">
+              <a:gradFill>
+                <a:gsLst>
+                  <a:gs pos="0">
+                    <a:srgbClr val="033B7B"/>
+                  </a:gs>
+                  <a:gs pos="74000">
+                    <a:schemeClr val="accent1">
+                      <a:lumMod val="45000"/>
+                      <a:lumOff val="55000"/>
+                    </a:schemeClr>
+                  </a:gs>
+                  <a:gs pos="83000">
+                    <a:schemeClr val="accent1">
+                      <a:lumMod val="45000"/>
+                      <a:lumOff val="55000"/>
+                    </a:schemeClr>
+                  </a:gs>
+                  <a:gs pos="100000">
+                    <a:srgbClr val="033B7B"/>
+                  </a:gs>
+                </a:gsLst>
+                <a:lin ang="5400000" scaled="1"/>
+              </a:gradFill>
+            </a:ln>
+          </p:spPr>
+          <p:style>
+            <a:lnRef idx="2">
+              <a:schemeClr val="accent1">
+                <a:shade val="50000"/>
+              </a:schemeClr>
+            </a:lnRef>
+            <a:fillRef idx="1">
+              <a:schemeClr val="accent1"/>
+            </a:fillRef>
+            <a:effectRef idx="0">
+              <a:schemeClr val="accent1"/>
+            </a:effectRef>
+            <a:fontRef idx="minor">
+              <a:schemeClr val="lt1"/>
+            </a:fontRef>
+          </p:style>
+          <p:txBody>
+            <a:bodyPr rtlCol="0" anchor="ctr"/>
+            <a:lstStyle/>
+            <a:p>
+              <a:pPr algn="ctr"/>
+              <a:endParaRPr kumimoji="1" lang="zh-CN" altLang="en-US"/>
+            </a:p>
+          </p:txBody>
+        </p:sp>
+        <p:sp>
+          <p:nvSpPr>
+            <p:cNvPr id="10" name="平行四边形 9">
+              <a:extLst>
+                <a:ext uri="{FF2B5EF4-FFF2-40B4-BE49-F238E27FC236}">
+                  <a16:creationId xmlns:a16="http://schemas.microsoft.com/office/drawing/2014/main" id="{895989B5-EF10-184E-82B3-7E180AEA1DD6}"/>
+                </a:ext>
+              </a:extLst>
+            </p:cNvPr>
+            <p:cNvSpPr/>
+            <p:nvPr/>
+          </p:nvSpPr>
+          <p:spPr>
+            <a:xfrm>
+              <a:off x="7670706" y="771525"/>
+              <a:ext cx="3814762" cy="6858000"/>
+            </a:xfrm>
+            <a:prstGeom prst="parallelogram">
+              <a:avLst/>
+            </a:prstGeom>
+            <a:solidFill>
+              <a:srgbClr val="033B7B"/>
+            </a:solidFill>
+            <a:ln w="15875">
+              <a:gradFill>
+                <a:gsLst>
+                  <a:gs pos="0">
+                    <a:srgbClr val="033B7B"/>
+                  </a:gs>
+                  <a:gs pos="74000">
+                    <a:schemeClr val="accent1">
+                      <a:lumMod val="45000"/>
+                      <a:lumOff val="55000"/>
+                    </a:schemeClr>
+                  </a:gs>
+                  <a:gs pos="83000">
+                    <a:schemeClr val="accent1">
+                      <a:lumMod val="45000"/>
+                      <a:lumOff val="55000"/>
+                    </a:schemeClr>
+                  </a:gs>
+                  <a:gs pos="100000">
+                    <a:srgbClr val="033B7B"/>
+                  </a:gs>
+                </a:gsLst>
+                <a:lin ang="5400000" scaled="1"/>
+              </a:gradFill>
+            </a:ln>
+          </p:spPr>
+          <p:style>
+            <a:lnRef idx="2">
+              <a:schemeClr val="accent1">
+                <a:shade val="50000"/>
+              </a:schemeClr>
+            </a:lnRef>
+            <a:fillRef idx="1">
+              <a:schemeClr val="accent1"/>
+            </a:fillRef>
+            <a:effectRef idx="0">
+              <a:schemeClr val="accent1"/>
+            </a:effectRef>
+            <a:fontRef idx="minor">
+              <a:schemeClr val="lt1"/>
+            </a:fontRef>
+          </p:style>
+          <p:txBody>
+            <a:bodyPr rtlCol="0" anchor="ctr"/>
+            <a:lstStyle/>
+            <a:p>
+              <a:pPr algn="ctr"/>
+              <a:endParaRPr kumimoji="1" lang="zh-CN" altLang="en-US"/>
+            </a:p>
+          </p:txBody>
+        </p:sp>
+      </p:grpSp>
+      <p:sp>
+        <p:nvSpPr>
+          <p:cNvPr id="20" name="文本框 19">
+            <a:extLst>
+              <a:ext uri="{FF2B5EF4-FFF2-40B4-BE49-F238E27FC236}">
+                <a16:creationId xmlns:a16="http://schemas.microsoft.com/office/drawing/2014/main" id="{ED935C0E-791D-6445-85A0-B209B89CA6A9}"/>
+              </a:ext>
+            </a:extLst>
+          </p:cNvPr>
+          <p:cNvSpPr txBox="1"/>
+          <p:nvPr/>
+        </p:nvSpPr>
+        <p:spPr>
+          <a:xfrm>
+            <a:off x="351532" y="2921168"/>
+            <a:ext cx="1723549" cy="1015663"/>
+          </a:xfrm>
+          <a:prstGeom prst="rect">
+            <a:avLst/>
+          </a:prstGeom>
+          <a:noFill/>
+        </p:spPr>
+        <p:txBody>
+          <a:bodyPr wrap="none" rtlCol="0">
+            <a:spAutoFit/>
+          </a:bodyPr>
+          <a:lstStyle/>
+          <a:p>
+            <a:r>
+              <a:rPr kumimoji="1" lang="zh-Hans" altLang="en-US" sz="6000" dirty="0">
+                <a:solidFill>
+                  <a:schemeClr val="bg1">
+                    <a:alpha val="70000"/>
+                  </a:schemeClr>
+                </a:solidFill>
+              </a:rPr>
+              <a:t>自由</a:t>
+            </a:r>
+            <a:endParaRPr kumimoji="1" lang="zh-CN" altLang="en-US" sz="6000" dirty="0">
+              <a:solidFill>
+                <a:schemeClr val="bg1">
+                  <a:alpha val="70000"/>
+                </a:schemeClr>
+              </a:solidFill>
+            </a:endParaRPr>
+          </a:p>
+        </p:txBody>
+      </p:sp>
+      <p:pic>
+        <p:nvPicPr>
+          <p:cNvPr id="6" name="图片 5">
+            <a:extLst>
+              <a:ext uri="{FF2B5EF4-FFF2-40B4-BE49-F238E27FC236}">
+                <a16:creationId xmlns:a16="http://schemas.microsoft.com/office/drawing/2014/main" id="{34245AC5-F59B-0849-9701-B9D545E48422}"/>
+              </a:ext>
+            </a:extLst>
+          </p:cNvPr>
+          <p:cNvPicPr>
+            <a:picLocks noChangeAspect="1"/>
+          </p:cNvPicPr>
+          <p:nvPr/>
+        </p:nvPicPr>
+        <p:blipFill>
+          <a:blip r:embed="rId3"/>
+          <a:stretch>
+            <a:fillRect/>
+          </a:stretch>
+        </p:blipFill>
+        <p:spPr>
+          <a:xfrm rot="5895154">
+            <a:off x="149923" y="-1345668"/>
+            <a:ext cx="6019800" cy="3390900"/>
+          </a:xfrm>
+          <a:prstGeom prst="rect">
+            <a:avLst/>
+          </a:prstGeom>
+        </p:spPr>
+      </p:pic>
+      <p:sp>
+        <p:nvSpPr>
+          <p:cNvPr id="16" name="文本框 15">
+            <a:extLst>
+              <a:ext uri="{FF2B5EF4-FFF2-40B4-BE49-F238E27FC236}">
+                <a16:creationId xmlns:a16="http://schemas.microsoft.com/office/drawing/2014/main" id="{9D0F098E-32F2-154F-A15B-5E5875112BF5}"/>
+              </a:ext>
+            </a:extLst>
+          </p:cNvPr>
+          <p:cNvSpPr txBox="1"/>
+          <p:nvPr/>
+        </p:nvSpPr>
+        <p:spPr>
+          <a:xfrm>
+            <a:off x="3244310" y="2941973"/>
+            <a:ext cx="1723549" cy="1015663"/>
+          </a:xfrm>
+          <a:prstGeom prst="rect">
+            <a:avLst/>
+          </a:prstGeom>
+          <a:noFill/>
+        </p:spPr>
+        <p:txBody>
+          <a:bodyPr wrap="none" rtlCol="0">
+            <a:spAutoFit/>
+          </a:bodyPr>
+          <a:lstStyle/>
+          <a:p>
+            <a:r>
+              <a:rPr kumimoji="1" lang="zh-Hans" altLang="en-US" sz="6000" dirty="0">
+                <a:solidFill>
+                  <a:schemeClr val="bg1">
+                    <a:alpha val="70000"/>
+                  </a:schemeClr>
+                </a:solidFill>
+              </a:rPr>
+              <a:t>民主</a:t>
+            </a:r>
+            <a:endParaRPr kumimoji="1" lang="zh-CN" altLang="en-US" sz="6000" dirty="0">
+              <a:solidFill>
+                <a:schemeClr val="bg1">
+                  <a:alpha val="70000"/>
+                </a:schemeClr>
+              </a:solidFill>
+            </a:endParaRPr>
+          </a:p>
+        </p:txBody>
+      </p:sp>
+      <p:sp>
+        <p:nvSpPr>
+          <p:cNvPr id="17" name="文本框 16">
+            <a:extLst>
+              <a:ext uri="{FF2B5EF4-FFF2-40B4-BE49-F238E27FC236}">
+                <a16:creationId xmlns:a16="http://schemas.microsoft.com/office/drawing/2014/main" id="{C1224803-7C22-D644-AF3B-C417EF68BD85}"/>
+              </a:ext>
+            </a:extLst>
+          </p:cNvPr>
+          <p:cNvSpPr txBox="1"/>
+          <p:nvPr/>
+        </p:nvSpPr>
+        <p:spPr>
+          <a:xfrm>
+            <a:off x="5998629" y="2921168"/>
+            <a:ext cx="1723549" cy="1015663"/>
+          </a:xfrm>
+          <a:prstGeom prst="rect">
+            <a:avLst/>
+          </a:prstGeom>
+          <a:noFill/>
+        </p:spPr>
+        <p:txBody>
+          <a:bodyPr wrap="none" rtlCol="0">
+            <a:spAutoFit/>
+          </a:bodyPr>
+          <a:lstStyle/>
+          <a:p>
+            <a:r>
+              <a:rPr kumimoji="1" lang="zh-Hans" altLang="en-US" sz="6000" dirty="0">
+                <a:solidFill>
+                  <a:schemeClr val="bg1">
+                    <a:alpha val="70000"/>
+                  </a:schemeClr>
+                </a:solidFill>
+              </a:rPr>
+              <a:t>文明</a:t>
+            </a:r>
+            <a:endParaRPr kumimoji="1" lang="zh-CN" altLang="en-US" sz="6000" dirty="0">
+              <a:solidFill>
+                <a:schemeClr val="bg1">
+                  <a:alpha val="70000"/>
+                </a:schemeClr>
+              </a:solidFill>
+            </a:endParaRPr>
+          </a:p>
+        </p:txBody>
+      </p:sp>
+      <p:sp>
+        <p:nvSpPr>
+          <p:cNvPr id="18" name="文本框 17">
+            <a:extLst>
+              <a:ext uri="{FF2B5EF4-FFF2-40B4-BE49-F238E27FC236}">
+                <a16:creationId xmlns:a16="http://schemas.microsoft.com/office/drawing/2014/main" id="{03F9E3FA-F7BC-C14E-ACD3-1F768162F6F7}"/>
+              </a:ext>
+            </a:extLst>
+          </p:cNvPr>
+          <p:cNvSpPr txBox="1"/>
+          <p:nvPr/>
+        </p:nvSpPr>
+        <p:spPr>
+          <a:xfrm>
+            <a:off x="9128837" y="2921168"/>
+            <a:ext cx="1723549" cy="1015663"/>
+          </a:xfrm>
+          <a:prstGeom prst="rect">
+            <a:avLst/>
+          </a:prstGeom>
+          <a:noFill/>
+        </p:spPr>
+        <p:txBody>
+          <a:bodyPr wrap="none" rtlCol="0">
+            <a:spAutoFit/>
+          </a:bodyPr>
+          <a:lstStyle/>
+          <a:p>
+            <a:r>
+              <a:rPr kumimoji="1" lang="zh-Hans" altLang="en-US" sz="6000" dirty="0">
+                <a:solidFill>
+                  <a:schemeClr val="bg1">
+                    <a:alpha val="70000"/>
+                  </a:schemeClr>
+                </a:solidFill>
+              </a:rPr>
+              <a:t>和谐</a:t>
+            </a:r>
+            <a:endParaRPr kumimoji="1" lang="zh-CN" altLang="en-US" sz="6000" dirty="0">
+              <a:solidFill>
+                <a:schemeClr val="bg1">
+                  <a:alpha val="70000"/>
+                </a:schemeClr>
+              </a:solidFill>
+            </a:endParaRPr>
+          </a:p>
+        </p:txBody>
+      </p:sp>
+      <p:pic>
+        <p:nvPicPr>
+          <p:cNvPr id="22" name="图片 21">
+            <a:extLst>
+              <a:ext uri="{FF2B5EF4-FFF2-40B4-BE49-F238E27FC236}">
+                <a16:creationId xmlns:a16="http://schemas.microsoft.com/office/drawing/2014/main" id="{5A79B549-DC8B-0B46-A24F-55D3C8ADBF18}"/>
+              </a:ext>
+            </a:extLst>
+          </p:cNvPr>
+          <p:cNvPicPr>
+            <a:picLocks noChangeAspect="1"/>
+          </p:cNvPicPr>
+          <p:nvPr/>
+        </p:nvPicPr>
+        <p:blipFill>
+          <a:blip r:embed="rId4"/>
+          <a:stretch>
+            <a:fillRect/>
+          </a:stretch>
+        </p:blipFill>
+        <p:spPr>
+          <a:xfrm rot="5847202">
+            <a:off x="1290480" y="4557841"/>
+            <a:ext cx="7644570" cy="4300071"/>
+          </a:xfrm>
+          <a:prstGeom prst="rect">
+            <a:avLst/>
+          </a:prstGeom>
+        </p:spPr>
+      </p:pic>
+      <p:pic>
+        <p:nvPicPr>
+          <p:cNvPr id="23" name="图片 22">
+            <a:extLst>
+              <a:ext uri="{FF2B5EF4-FFF2-40B4-BE49-F238E27FC236}">
+                <a16:creationId xmlns:a16="http://schemas.microsoft.com/office/drawing/2014/main" id="{622E8374-F9DA-EC44-9B92-94EF9A3A7DF5}"/>
+              </a:ext>
+            </a:extLst>
+          </p:cNvPr>
+          <p:cNvPicPr>
+            <a:picLocks noChangeAspect="1"/>
+          </p:cNvPicPr>
+          <p:nvPr/>
+        </p:nvPicPr>
+        <p:blipFill>
+          <a:blip r:embed="rId3"/>
+          <a:stretch>
+            <a:fillRect/>
+          </a:stretch>
+        </p:blipFill>
+        <p:spPr>
+          <a:xfrm rot="5895154">
+            <a:off x="5885956" y="-1488543"/>
+            <a:ext cx="6019800" cy="3390900"/>
+          </a:xfrm>
+          <a:prstGeom prst="rect">
+            <a:avLst/>
+          </a:prstGeom>
+        </p:spPr>
+      </p:pic>
+      <p:pic>
+        <p:nvPicPr>
+          <p:cNvPr id="24" name="图片 23">
+            <a:extLst>
+              <a:ext uri="{FF2B5EF4-FFF2-40B4-BE49-F238E27FC236}">
+                <a16:creationId xmlns:a16="http://schemas.microsoft.com/office/drawing/2014/main" id="{36FB5817-EBA1-BE4C-A380-CF6CBD4944A7}"/>
+              </a:ext>
+            </a:extLst>
+          </p:cNvPr>
+          <p:cNvPicPr>
+            <a:picLocks noChangeAspect="1"/>
+          </p:cNvPicPr>
+          <p:nvPr/>
+        </p:nvPicPr>
+        <p:blipFill>
+          <a:blip r:embed="rId4"/>
+          <a:stretch>
+            <a:fillRect/>
+          </a:stretch>
+        </p:blipFill>
+        <p:spPr>
+          <a:xfrm rot="5847202">
+            <a:off x="7031156" y="4481643"/>
+            <a:ext cx="7644570" cy="4300071"/>
+          </a:xfrm>
+          <a:prstGeom prst="rect">
+            <a:avLst/>
+          </a:prstGeom>
+        </p:spPr>
+      </p:pic>
+    </p:spTree>
+    <p:extLst>
+      <p:ext uri="{BB962C8B-B14F-4D97-AF65-F5344CB8AC3E}">
+        <p14:creationId xmlns:p14="http://schemas.microsoft.com/office/powerpoint/2010/main" val="740670643"/>
+      </p:ext>
+    </p:extLst>
+  </p:cSld>
+  <p:clrMapOvr>
+    <a:masterClrMapping/>
+  </p:clrMapOvr>
+  <p:timing>
+    <p:tnLst>
+      <p:par>
+        <p:cTn id="1" dur="indefinite" restart="never" nodeType="tmRoot">
+          <p:childTnLst>
+            <p:seq concurrent="1" nextAc="seek">
+              <p:cTn id="2" dur="indefinite" nodeType="mainSeq">
+                <p:childTnLst>
+                  <p:par>
+                    <p:cTn id="3" fill="hold">
+                      <p:stCondLst>
+                        <p:cond delay="indefinite"/>
+                        <p:cond evt="onBegin" delay="0">
+                          <p:tn val="2"/>
+                        </p:cond>
+                      </p:stCondLst>
+                      <p:childTnLst>
+                        <p:par>
+                          <p:cTn id="4" fill="hold">
+                            <p:stCondLst>
+                              <p:cond delay="0"/>
+                            </p:stCondLst>
+                            <p:childTnLst>
+                              <p:par>
+                                <p:cTn id="5" presetID="10" presetClass="entr" presetSubtype="0" fill="hold" nodeType="withEffect">
+                                  <p:stCondLst>
+                                    <p:cond delay="0"/>
+                                  </p:stCondLst>
+                                  <p:childTnLst>
+                                    <p:set>
+                                      <p:cBhvr>
+                                        <p:cTn id="6" dur="1" fill="hold">
+                                          <p:stCondLst>
+                                            <p:cond delay="0"/>
+                                          </p:stCondLst>
+                                        </p:cTn>
+                                        <p:tgtEl>
+                                          <p:spTgt spid="6"/>
+                                        </p:tgtEl>
+                                        <p:attrNameLst>
+                                          <p:attrName>style.visibility</p:attrName>
+                                        </p:attrNameLst>
+                                      </p:cBhvr>
+                                      <p:to>
+                                        <p:strVal val="visible"/>
+                                      </p:to>
+                                    </p:set>
+                                    <p:animEffect transition="in" filter="fade">
+                                      <p:cBhvr>
+                                        <p:cTn id="7" dur="500"/>
+                                        <p:tgtEl>
+                                          <p:spTgt spid="6"/>
+                                        </p:tgtEl>
+                                      </p:cBhvr>
+                                    </p:animEffect>
+                                  </p:childTnLst>
+                                </p:cTn>
+                              </p:par>
+                              <p:par>
+                                <p:cTn id="8" presetID="10" presetClass="entr" presetSubtype="0" fill="hold" nodeType="withEffect">
+                                  <p:stCondLst>
+                                    <p:cond delay="0"/>
+                                  </p:stCondLst>
+                                  <p:childTnLst>
+                                    <p:set>
+                                      <p:cBhvr>
+                                        <p:cTn id="9" dur="1" fill="hold">
+                                          <p:stCondLst>
+                                            <p:cond delay="0"/>
+                                          </p:stCondLst>
+                                        </p:cTn>
+                                        <p:tgtEl>
+                                          <p:spTgt spid="22"/>
+                                        </p:tgtEl>
+                                        <p:attrNameLst>
+                                          <p:attrName>style.visibility</p:attrName>
+                                        </p:attrNameLst>
+                                      </p:cBhvr>
+                                      <p:to>
+                                        <p:strVal val="visible"/>
+                                      </p:to>
+                                    </p:set>
+                                    <p:animEffect transition="in" filter="fade">
+                                      <p:cBhvr>
+                                        <p:cTn id="10" dur="500"/>
+                                        <p:tgtEl>
+                                          <p:spTgt spid="22"/>
+                                        </p:tgtEl>
+                                      </p:cBhvr>
+                                    </p:animEffect>
+                                  </p:childTnLst>
+                                </p:cTn>
+                              </p:par>
+                              <p:par>
+                                <p:cTn id="11" presetID="10" presetClass="entr" presetSubtype="0" fill="hold" nodeType="withEffect">
+                                  <p:stCondLst>
+                                    <p:cond delay="0"/>
+                                  </p:stCondLst>
+                                  <p:childTnLst>
+                                    <p:set>
+                                      <p:cBhvr>
+                                        <p:cTn id="12" dur="1" fill="hold">
+                                          <p:stCondLst>
+                                            <p:cond delay="0"/>
+                                          </p:stCondLst>
+                                        </p:cTn>
+                                        <p:tgtEl>
+                                          <p:spTgt spid="23"/>
+                                        </p:tgtEl>
+                                        <p:attrNameLst>
+                                          <p:attrName>style.visibility</p:attrName>
+                                        </p:attrNameLst>
+                                      </p:cBhvr>
+                                      <p:to>
+                                        <p:strVal val="visible"/>
+                                      </p:to>
+                                    </p:set>
+                                    <p:animEffect transition="in" filter="fade">
+                                      <p:cBhvr>
+                                        <p:cTn id="13" dur="500"/>
+                                        <p:tgtEl>
+                                          <p:spTgt spid="23"/>
+                                        </p:tgtEl>
+                                      </p:cBhvr>
+                                    </p:animEffect>
+                                  </p:childTnLst>
+                                </p:cTn>
+                              </p:par>
+                              <p:par>
+                                <p:cTn id="14" presetID="10" presetClass="entr" presetSubtype="0" fill="hold" nodeType="withEffect">
+                                  <p:stCondLst>
+                                    <p:cond delay="0"/>
+                                  </p:stCondLst>
+                                  <p:childTnLst>
+                                    <p:set>
+                                      <p:cBhvr>
+                                        <p:cTn id="15" dur="1" fill="hold">
+                                          <p:stCondLst>
+                                            <p:cond delay="0"/>
+                                          </p:stCondLst>
+                                        </p:cTn>
+                                        <p:tgtEl>
+                                          <p:spTgt spid="24"/>
+                                        </p:tgtEl>
+                                        <p:attrNameLst>
+                                          <p:attrName>style.visibility</p:attrName>
+                                        </p:attrNameLst>
+                                      </p:cBhvr>
+                                      <p:to>
+                                        <p:strVal val="visible"/>
+                                      </p:to>
+                                    </p:set>
+                                    <p:animEffect transition="in" filter="fade">
+                                      <p:cBhvr>
+                                        <p:cTn id="16" dur="500"/>
+                                        <p:tgtEl>
+                                          <p:spTgt spid="24"/>
+                                        </p:tgtEl>
+                                      </p:cBhvr>
+                                    </p:animEffect>
+                                  </p:childTnLst>
+                                </p:cTn>
+                              </p:par>
+                            </p:childTnLst>
+                          </p:cTn>
+                        </p:par>
+                        <p:par>
+                          <p:cTn id="17" fill="hold">
+                            <p:stCondLst>
+                              <p:cond delay="500"/>
+                            </p:stCondLst>
+                            <p:childTnLst>
+                              <p:par>
+                                <p:cTn id="18" presetID="0" presetClass="path" presetSubtype="0" accel="50000" decel="50000" fill="hold" nodeType="afterEffect">
+                                  <p:stCondLst>
+                                    <p:cond delay="0"/>
+                                  </p:stCondLst>
+                                  <p:childTnLst>
+                                    <p:animMotion origin="layout" path="M -4.58333E-6 0.00115 L -0.07513 0.93032 " pathEditMode="relative" rAng="0" ptsTypes="AA">
+                                      <p:cBhvr>
+                                        <p:cTn id="19" dur="1000" fill="hold"/>
+                                        <p:tgtEl>
+                                          <p:spTgt spid="6"/>
+                                        </p:tgtEl>
+                                        <p:attrNameLst>
+                                          <p:attrName>ppt_x</p:attrName>
+                                          <p:attrName>ppt_y</p:attrName>
+                                        </p:attrNameLst>
+                                      </p:cBhvr>
+                                      <p:rCtr x="-3763" y="46458"/>
+                                    </p:animMotion>
+                                  </p:childTnLst>
+                                </p:cTn>
+                              </p:par>
+                              <p:par>
+                                <p:cTn id="20" presetID="0" presetClass="path" presetSubtype="0" accel="50000" decel="50000" fill="hold" nodeType="withEffect">
+                                  <p:stCondLst>
+                                    <p:cond delay="0"/>
+                                  </p:stCondLst>
+                                  <p:childTnLst>
+                                    <p:animMotion origin="layout" path="M 2.5E-6 0.00116 L -0.07513 0.93033 " pathEditMode="relative" rAng="0" ptsTypes="AA">
+                                      <p:cBhvr>
+                                        <p:cTn id="21" dur="1000" fill="hold"/>
+                                        <p:tgtEl>
+                                          <p:spTgt spid="23"/>
+                                        </p:tgtEl>
+                                        <p:attrNameLst>
+                                          <p:attrName>ppt_x</p:attrName>
+                                          <p:attrName>ppt_y</p:attrName>
+                                        </p:attrNameLst>
+                                      </p:cBhvr>
+                                      <p:rCtr x="-3763" y="46458"/>
+                                    </p:animMotion>
+                                  </p:childTnLst>
+                                </p:cTn>
+                              </p:par>
+                              <p:par>
+                                <p:cTn id="22" presetID="0" presetClass="path" presetSubtype="0" accel="50000" decel="50000" fill="hold" nodeType="withEffect">
+                                  <p:stCondLst>
+                                    <p:cond delay="0"/>
+                                  </p:stCondLst>
+                                  <p:childTnLst>
+                                    <p:animMotion origin="layout" path="M -8.33333E-7 0.00116 L 0.07461 -0.93634 " pathEditMode="relative" rAng="0" ptsTypes="AA">
+                                      <p:cBhvr>
+                                        <p:cTn id="23" dur="1000" fill="hold"/>
+                                        <p:tgtEl>
+                                          <p:spTgt spid="22"/>
+                                        </p:tgtEl>
+                                        <p:attrNameLst>
+                                          <p:attrName>ppt_x</p:attrName>
+                                          <p:attrName>ppt_y</p:attrName>
+                                        </p:attrNameLst>
+                                      </p:cBhvr>
+                                      <p:rCtr x="3724" y="-46875"/>
+                                    </p:animMotion>
+                                  </p:childTnLst>
+                                </p:cTn>
+                              </p:par>
+                              <p:par>
+                                <p:cTn id="24" presetID="0" presetClass="path" presetSubtype="0" accel="50000" decel="50000" fill="hold" nodeType="withEffect">
+                                  <p:stCondLst>
+                                    <p:cond delay="0"/>
+                                  </p:stCondLst>
+                                  <p:childTnLst>
+                                    <p:animMotion origin="layout" path="M -4.375E-6 0.00116 L 0.07461 -0.93634 " pathEditMode="relative" rAng="0" ptsTypes="AA">
+                                      <p:cBhvr>
+                                        <p:cTn id="25" dur="1000" fill="hold"/>
+                                        <p:tgtEl>
+                                          <p:spTgt spid="24"/>
+                                        </p:tgtEl>
+                                        <p:attrNameLst>
+                                          <p:attrName>ppt_x</p:attrName>
+                                          <p:attrName>ppt_y</p:attrName>
+                                        </p:attrNameLst>
+                                      </p:cBhvr>
+                                      <p:rCtr x="3724" y="-46875"/>
+                                    </p:animMotion>
+                                  </p:childTnLst>
+                                </p:cTn>
+                              </p:par>
+                            </p:childTnLst>
+                          </p:cTn>
+                        </p:par>
+                        <p:par>
+                          <p:cTn id="26" fill="hold">
+                            <p:stCondLst>
+                              <p:cond delay="1500"/>
+                            </p:stCondLst>
+                            <p:childTnLst>
+                              <p:par>
+                                <p:cTn id="27" presetID="10" presetClass="exit" presetSubtype="0" fill="hold" nodeType="afterEffect">
+                                  <p:stCondLst>
+                                    <p:cond delay="0"/>
+                                  </p:stCondLst>
+                                  <p:childTnLst>
+                                    <p:animEffect transition="out" filter="fade">
+                                      <p:cBhvr>
+                                        <p:cTn id="28" dur="500"/>
+                                        <p:tgtEl>
+                                          <p:spTgt spid="6"/>
+                                        </p:tgtEl>
+                                      </p:cBhvr>
+                                    </p:animEffect>
+                                    <p:set>
+                                      <p:cBhvr>
+                                        <p:cTn id="29" dur="1" fill="hold">
+                                          <p:stCondLst>
+                                            <p:cond delay="499"/>
+                                          </p:stCondLst>
+                                        </p:cTn>
+                                        <p:tgtEl>
+                                          <p:spTgt spid="6"/>
+                                        </p:tgtEl>
+                                        <p:attrNameLst>
+                                          <p:attrName>style.visibility</p:attrName>
+                                        </p:attrNameLst>
+                                      </p:cBhvr>
+                                      <p:to>
+                                        <p:strVal val="hidden"/>
+                                      </p:to>
+                                    </p:set>
+                                  </p:childTnLst>
+                                </p:cTn>
+                              </p:par>
+                              <p:par>
+                                <p:cTn id="30" presetID="10" presetClass="exit" presetSubtype="0" fill="hold" nodeType="withEffect">
+                                  <p:stCondLst>
+                                    <p:cond delay="0"/>
+                                  </p:stCondLst>
+                                  <p:childTnLst>
+                                    <p:animEffect transition="out" filter="fade">
+                                      <p:cBhvr>
+                                        <p:cTn id="31" dur="500"/>
+                                        <p:tgtEl>
+                                          <p:spTgt spid="23"/>
+                                        </p:tgtEl>
+                                      </p:cBhvr>
+                                    </p:animEffect>
+                                    <p:set>
+                                      <p:cBhvr>
+                                        <p:cTn id="32" dur="1" fill="hold">
+                                          <p:stCondLst>
+                                            <p:cond delay="499"/>
+                                          </p:stCondLst>
+                                        </p:cTn>
+                                        <p:tgtEl>
+                                          <p:spTgt spid="23"/>
+                                        </p:tgtEl>
+                                        <p:attrNameLst>
+                                          <p:attrName>style.visibility</p:attrName>
+                                        </p:attrNameLst>
+                                      </p:cBhvr>
+                                      <p:to>
+                                        <p:strVal val="hidden"/>
+                                      </p:to>
+                                    </p:set>
+                                  </p:childTnLst>
+                                </p:cTn>
+                              </p:par>
+                              <p:par>
+                                <p:cTn id="33" presetID="10" presetClass="exit" presetSubtype="0" fill="hold" nodeType="withEffect">
+                                  <p:stCondLst>
+                                    <p:cond delay="0"/>
+                                  </p:stCondLst>
+                                  <p:childTnLst>
+                                    <p:animEffect transition="out" filter="fade">
+                                      <p:cBhvr>
+                                        <p:cTn id="34" dur="500"/>
+                                        <p:tgtEl>
+                                          <p:spTgt spid="22"/>
+                                        </p:tgtEl>
+                                      </p:cBhvr>
+                                    </p:animEffect>
+                                    <p:set>
+                                      <p:cBhvr>
+                                        <p:cTn id="35" dur="1" fill="hold">
+                                          <p:stCondLst>
+                                            <p:cond delay="499"/>
+                                          </p:stCondLst>
+                                        </p:cTn>
+                                        <p:tgtEl>
+                                          <p:spTgt spid="22"/>
+                                        </p:tgtEl>
+                                        <p:attrNameLst>
+                                          <p:attrName>style.visibility</p:attrName>
+                                        </p:attrNameLst>
+                                      </p:cBhvr>
+                                      <p:to>
+                                        <p:strVal val="hidden"/>
+                                      </p:to>
+                                    </p:set>
+                                  </p:childTnLst>
+                                </p:cTn>
+                              </p:par>
+                              <p:par>
+                                <p:cTn id="36" presetID="10" presetClass="exit" presetSubtype="0" fill="hold" nodeType="withEffect">
+                                  <p:stCondLst>
+                                    <p:cond delay="0"/>
+                                  </p:stCondLst>
+                                  <p:childTnLst>
+                                    <p:animEffect transition="out" filter="fade">
+                                      <p:cBhvr>
+                                        <p:cTn id="37" dur="500"/>
+                                        <p:tgtEl>
+                                          <p:spTgt spid="24"/>
+                                        </p:tgtEl>
+                                      </p:cBhvr>
+                                    </p:animEffect>
+                                    <p:set>
+                                      <p:cBhvr>
+                                        <p:cTn id="38" dur="1" fill="hold">
+                                          <p:stCondLst>
+                                            <p:cond delay="499"/>
+                                          </p:stCondLst>
+                                        </p:cTn>
+                                        <p:tgtEl>
+                                          <p:spTgt spid="24"/>
+                                        </p:tgtEl>
+                                        <p:attrNameLst>
+                                          <p:attrName>style.visibility</p:attrName>
+                                        </p:attrNameLst>
+                                      </p:cBhvr>
+                                      <p:to>
+                                        <p:strVal val="hidden"/>
+                                      </p:to>
+                                    </p:set>
+                                  </p:childTnLst>
+                                </p:cTn>
+                              </p:par>
+                            </p:childTnLst>
+                          </p:cTn>
+                        </p:par>
+                      </p:childTnLst>
+                    </p:cTn>
+                  </p:par>
+                </p:childTnLst>
+              </p:cTn>
+              <p:prevCondLst>
+                <p:cond evt="onPrev" delay="0">
+                  <p:tgtEl>
+                    <p:sldTgt/>
+                  </p:tgtEl>
+                </p:cond>
+              </p:prevCondLst>
+              <p:nextCondLst>
+                <p:cond evt="onNext" delay="0">
+                  <p:tgtEl>
+                    <p:sldTgt/>
+                  </p:tgtEl>
+                </p:cond>
+              </p:nextCondLst>
+            </p:seq>
+          </p:childTnLst>
+        </p:cTn>
+      </p:par>
+    </p:tnLst>
+  </p:timing>
+</p:sld>
+</file>
+
 <file path=ppt/theme/theme1.xml><?xml version="1.0" encoding="utf-8"?>
 <a:theme xmlns:a="http://schemas.openxmlformats.org/drawingml/2006/main" name="Office 主题​​">
   <a:themeElements>
@@ -5869,4 +7929,299 @@
     </a:ext>
   </a:extLst>
 </a:theme>
+</file>
+
+<file path=ppt/theme/theme2.xml><?xml version="1.0" encoding="utf-8"?>
+<a:theme xmlns:a="http://schemas.openxmlformats.org/drawingml/2006/main" name="Office 主题​​">
+  <a:themeElements>
+    <a:clrScheme name="Office">
+      <a:dk1>
+        <a:sysClr val="windowText" lastClr="000000"/>
+      </a:dk1>
+      <a:lt1>
+        <a:sysClr val="window" lastClr="FFFFFF"/>
+      </a:lt1>
+      <a:dk2>
+        <a:srgbClr val="44546A"/>
+      </a:dk2>
+      <a:lt2>
+        <a:srgbClr val="E7E6E6"/>
+      </a:lt2>
+      <a:accent1>
+        <a:srgbClr val="4472C4"/>
+      </a:accent1>
+      <a:accent2>
+        <a:srgbClr val="ED7D31"/>
+      </a:accent2>
+      <a:accent3>
+        <a:srgbClr val="A5A5A5"/>
+      </a:accent3>
+      <a:accent4>
+        <a:srgbClr val="FFC000"/>
+      </a:accent4>
+      <a:accent5>
+        <a:srgbClr val="5B9BD5"/>
+      </a:accent5>
+      <a:accent6>
+        <a:srgbClr val="70AD47"/>
+      </a:accent6>
+      <a:hlink>
+        <a:srgbClr val="0563C1"/>
+      </a:hlink>
+      <a:folHlink>
+        <a:srgbClr val="954F72"/>
+      </a:folHlink>
+    </a:clrScheme>
+    <a:fontScheme name="Office">
+      <a:majorFont>
+        <a:latin typeface="等线 Light" panose="020F0302020204030204"/>
+        <a:ea typeface=""/>
+        <a:cs typeface=""/>
+        <a:font script="Jpan" typeface="游ゴシック Light"/>
+        <a:font script="Hang" typeface="맑은 고딕"/>
+        <a:font script="Hans" typeface="等线 Light"/>
+        <a:font script="Hant" typeface="新細明體"/>
+        <a:font script="Arab" typeface="Times New Roman"/>
+        <a:font script="Hebr" typeface="Times New Roman"/>
+        <a:font script="Thai" typeface="Angsana New"/>
+        <a:font script="Ethi" typeface="Nyala"/>
+        <a:font script="Beng" typeface="Vrinda"/>
+        <a:font script="Gujr" typeface="Shruti"/>
+        <a:font script="Khmr" typeface="MoolBoran"/>
+        <a:font script="Knda" typeface="Tunga"/>
+        <a:font script="Guru" typeface="Raavi"/>
+        <a:font script="Cans" typeface="Euphemia"/>
+        <a:font script="Cher" typeface="Plantagenet Cherokee"/>
+        <a:font script="Yiii" typeface="Microsoft Yi Baiti"/>
+        <a:font script="Tibt" typeface="Microsoft Himalaya"/>
+        <a:font script="Thaa" typeface="MV Boli"/>
+        <a:font script="Deva" typeface="Mangal"/>
+        <a:font script="Telu" typeface="Gautami"/>
+        <a:font script="Taml" typeface="Latha"/>
+        <a:font script="Syrc" typeface="Estrangelo Edessa"/>
+        <a:font script="Orya" typeface="Kalinga"/>
+        <a:font script="Mlym" typeface="Kartika"/>
+        <a:font script="Laoo" typeface="DokChampa"/>
+        <a:font script="Sinh" typeface="Iskoola Pota"/>
+        <a:font script="Mong" typeface="Mongolian Baiti"/>
+        <a:font script="Viet" typeface="Times New Roman"/>
+        <a:font script="Uigh" typeface="Microsoft Uighur"/>
+        <a:font script="Geor" typeface="Sylfaen"/>
+        <a:font script="Armn" typeface="Arial"/>
+        <a:font script="Bugi" typeface="Leelawadee UI"/>
+        <a:font script="Bopo" typeface="Microsoft JhengHei"/>
+        <a:font script="Java" typeface="Javanese Text"/>
+        <a:font script="Lisu" typeface="Segoe UI"/>
+        <a:font script="Mymr" typeface="Myanmar Text"/>
+        <a:font script="Nkoo" typeface="Ebrima"/>
+        <a:font script="Olck" typeface="Nirmala UI"/>
+        <a:font script="Osma" typeface="Ebrima"/>
+        <a:font script="Phag" typeface="Phagspa"/>
+        <a:font script="Syrn" typeface="Estrangelo Edessa"/>
+        <a:font script="Syrj" typeface="Estrangelo Edessa"/>
+        <a:font script="Syre" typeface="Estrangelo Edessa"/>
+        <a:font script="Sora" typeface="Nirmala UI"/>
+        <a:font script="Tale" typeface="Microsoft Tai Le"/>
+        <a:font script="Talu" typeface="Microsoft New Tai Lue"/>
+        <a:font script="Tfng" typeface="Ebrima"/>
+      </a:majorFont>
+      <a:minorFont>
+        <a:latin typeface="等线" panose="020F0502020204030204"/>
+        <a:ea typeface=""/>
+        <a:cs typeface=""/>
+        <a:font script="Jpan" typeface="游ゴシック"/>
+        <a:font script="Hang" typeface="맑은 고딕"/>
+        <a:font script="Hans" typeface="等线"/>
+        <a:font script="Hant" typeface="新細明體"/>
+        <a:font script="Arab" typeface="Arial"/>
+        <a:font script="Hebr" typeface="Arial"/>
+        <a:font script="Thai" typeface="Cordia New"/>
+        <a:font script="Ethi" typeface="Nyala"/>
+        <a:font script="Beng" typeface="Vrinda"/>
+        <a:font script="Gujr" typeface="Shruti"/>
+        <a:font script="Khmr" typeface="DaunPenh"/>
+        <a:font script="Knda" typeface="Tunga"/>
+        <a:font script="Guru" typeface="Raavi"/>
+        <a:font script="Cans" typeface="Euphemia"/>
+        <a:font script="Cher" typeface="Plantagenet Cherokee"/>
+        <a:font script="Yiii" typeface="Microsoft Yi Baiti"/>
+        <a:font script="Tibt" typeface="Microsoft Himalaya"/>
+        <a:font script="Thaa" typeface="MV Boli"/>
+        <a:font script="Deva" typeface="Mangal"/>
+        <a:font script="Telu" typeface="Gautami"/>
+        <a:font script="Taml" typeface="Latha"/>
+        <a:font script="Syrc" typeface="Estrangelo Edessa"/>
+        <a:font script="Orya" typeface="Kalinga"/>
+        <a:font script="Mlym" typeface="Kartika"/>
+        <a:font script="Laoo" typeface="DokChampa"/>
+        <a:font script="Sinh" typeface="Iskoola Pota"/>
+        <a:font script="Mong" typeface="Mongolian Baiti"/>
+        <a:font script="Viet" typeface="Arial"/>
+        <a:font script="Uigh" typeface="Microsoft Uighur"/>
+        <a:font script="Geor" typeface="Sylfaen"/>
+        <a:font script="Armn" typeface="Arial"/>
+        <a:font script="Bugi" typeface="Leelawadee UI"/>
+        <a:font script="Bopo" typeface="Microsoft JhengHei"/>
+        <a:font script="Java" typeface="Javanese Text"/>
+        <a:font script="Lisu" typeface="Segoe UI"/>
+        <a:font script="Mymr" typeface="Myanmar Text"/>
+        <a:font script="Nkoo" typeface="Ebrima"/>
+        <a:font script="Olck" typeface="Nirmala UI"/>
+        <a:font script="Osma" typeface="Ebrima"/>
+        <a:font script="Phag" typeface="Phagspa"/>
+        <a:font script="Syrn" typeface="Estrangelo Edessa"/>
+        <a:font script="Syrj" typeface="Estrangelo Edessa"/>
+        <a:font script="Syre" typeface="Estrangelo Edessa"/>
+        <a:font script="Sora" typeface="Nirmala UI"/>
+        <a:font script="Tale" typeface="Microsoft Tai Le"/>
+        <a:font script="Talu" typeface="Microsoft New Tai Lue"/>
+        <a:font script="Tfng" typeface="Ebrima"/>
+      </a:minorFont>
+    </a:fontScheme>
+    <a:fmtScheme name="Office">
+      <a:fillStyleLst>
+        <a:solidFill>
+          <a:schemeClr val="phClr"/>
+        </a:solidFill>
+        <a:gradFill rotWithShape="1">
+          <a:gsLst>
+            <a:gs pos="0">
+              <a:schemeClr val="phClr">
+                <a:lumMod val="110000"/>
+                <a:satMod val="105000"/>
+                <a:tint val="67000"/>
+              </a:schemeClr>
+            </a:gs>
+            <a:gs pos="50000">
+              <a:schemeClr val="phClr">
+                <a:lumMod val="105000"/>
+                <a:satMod val="103000"/>
+                <a:tint val="73000"/>
+              </a:schemeClr>
+            </a:gs>
+            <a:gs pos="100000">
+              <a:schemeClr val="phClr">
+                <a:lumMod val="105000"/>
+                <a:satMod val="109000"/>
+                <a:tint val="81000"/>
+              </a:schemeClr>
+            </a:gs>
+          </a:gsLst>
+          <a:lin ang="5400000" scaled="0"/>
+        </a:gradFill>
+        <a:gradFill rotWithShape="1">
+          <a:gsLst>
+            <a:gs pos="0">
+              <a:schemeClr val="phClr">
+                <a:satMod val="103000"/>
+                <a:lumMod val="102000"/>
+                <a:tint val="94000"/>
+              </a:schemeClr>
+            </a:gs>
+            <a:gs pos="50000">
+              <a:schemeClr val="phClr">
+                <a:satMod val="110000"/>
+                <a:lumMod val="100000"/>
+                <a:shade val="100000"/>
+              </a:schemeClr>
+            </a:gs>
+            <a:gs pos="100000">
+              <a:schemeClr val="phClr">
+                <a:lumMod val="99000"/>
+                <a:satMod val="120000"/>
+                <a:shade val="78000"/>
+              </a:schemeClr>
+            </a:gs>
+          </a:gsLst>
+          <a:lin ang="5400000" scaled="0"/>
+        </a:gradFill>
+      </a:fillStyleLst>
+      <a:lnStyleLst>
+        <a:ln w="6350" cap="flat" cmpd="sng" algn="ctr">
+          <a:solidFill>
+            <a:schemeClr val="phClr"/>
+          </a:solidFill>
+          <a:prstDash val="solid"/>
+          <a:miter lim="800000"/>
+        </a:ln>
+        <a:ln w="12700" cap="flat" cmpd="sng" algn="ctr">
+          <a:solidFill>
+            <a:schemeClr val="phClr"/>
+          </a:solidFill>
+          <a:prstDash val="solid"/>
+          <a:miter lim="800000"/>
+        </a:ln>
+        <a:ln w="19050" cap="flat" cmpd="sng" algn="ctr">
+          <a:solidFill>
+            <a:schemeClr val="phClr"/>
+          </a:solidFill>
+          <a:prstDash val="solid"/>
+          <a:miter lim="800000"/>
+        </a:ln>
+      </a:lnStyleLst>
+      <a:effectStyleLst>
+        <a:effectStyle>
+          <a:effectLst/>
+        </a:effectStyle>
+        <a:effectStyle>
+          <a:effectLst/>
+        </a:effectStyle>
+        <a:effectStyle>
+          <a:effectLst>
+            <a:outerShdw blurRad="57150" dist="19050" dir="5400000" algn="ctr" rotWithShape="0">
+              <a:srgbClr val="000000">
+                <a:alpha val="63000"/>
+              </a:srgbClr>
+            </a:outerShdw>
+          </a:effectLst>
+        </a:effectStyle>
+      </a:effectStyleLst>
+      <a:bgFillStyleLst>
+        <a:solidFill>
+          <a:schemeClr val="phClr"/>
+        </a:solidFill>
+        <a:solidFill>
+          <a:schemeClr val="phClr">
+            <a:tint val="95000"/>
+            <a:satMod val="170000"/>
+          </a:schemeClr>
+        </a:solidFill>
+        <a:gradFill rotWithShape="1">
+          <a:gsLst>
+            <a:gs pos="0">
+              <a:schemeClr val="phClr">
+                <a:tint val="93000"/>
+                <a:satMod val="150000"/>
+                <a:shade val="98000"/>
+                <a:lumMod val="102000"/>
+              </a:schemeClr>
+            </a:gs>
+            <a:gs pos="50000">
+              <a:schemeClr val="phClr">
+                <a:tint val="98000"/>
+                <a:satMod val="130000"/>
+                <a:shade val="90000"/>
+                <a:lumMod val="103000"/>
+              </a:schemeClr>
+            </a:gs>
+            <a:gs pos="100000">
+              <a:schemeClr val="phClr">
+                <a:shade val="63000"/>
+                <a:satMod val="120000"/>
+              </a:schemeClr>
+            </a:gs>
+          </a:gsLst>
+          <a:lin ang="5400000" scaled="0"/>
+        </a:gradFill>
+      </a:bgFillStyleLst>
+    </a:fmtScheme>
+  </a:themeElements>
+  <a:objectDefaults/>
+  <a:extraClrSchemeLst/>
+  <a:extLst>
+    <a:ext uri="{05A4C25C-085E-4340-85A3-A5531E510DB2}">
+      <thm15:themeFamily xmlns:thm15="http://schemas.microsoft.com/office/thememl/2012/main" name="Office Theme" id="{62F939B6-93AF-4DB8-9C6B-D6C7DFDC589F}" vid="{4A3C46E8-61CC-4603-A589-7422A47A8E4A}"/>
+    </a:ext>
+  </a:extLst>
+</a:theme>
 </file>